--- a/Presentation/JP.pptx
+++ b/Presentation/JP.pptx
@@ -2,22 +2,19 @@
 <file path=ppt/presentation.xml><?xml version="1.0" encoding="utf-8"?>
 <p:presentation xmlns:a="http://schemas.openxmlformats.org/drawingml/2006/main" xmlns:r="http://schemas.openxmlformats.org/officeDocument/2006/relationships" xmlns:p="http://schemas.openxmlformats.org/presentationml/2006/main" saveSubsetFonts="1" autoCompressPictures="0">
   <p:sldMasterIdLst>
-    <p:sldMasterId id="2147483648" r:id="rId1"/>
+    <p:sldMasterId id="2147483998" r:id="rId1"/>
   </p:sldMasterIdLst>
   <p:notesMasterIdLst>
-    <p:notesMasterId r:id="rId12"/>
+    <p:notesMasterId r:id="rId9"/>
   </p:notesMasterIdLst>
   <p:sldIdLst>
     <p:sldId id="256" r:id="rId2"/>
     <p:sldId id="257" r:id="rId3"/>
-    <p:sldId id="265" r:id="rId4"/>
-    <p:sldId id="258" r:id="rId5"/>
-    <p:sldId id="259" r:id="rId6"/>
-    <p:sldId id="260" r:id="rId7"/>
-    <p:sldId id="261" r:id="rId8"/>
-    <p:sldId id="262" r:id="rId9"/>
-    <p:sldId id="263" r:id="rId10"/>
-    <p:sldId id="264" r:id="rId11"/>
+    <p:sldId id="258" r:id="rId4"/>
+    <p:sldId id="260" r:id="rId5"/>
+    <p:sldId id="262" r:id="rId6"/>
+    <p:sldId id="263" r:id="rId7"/>
+    <p:sldId id="264" r:id="rId8"/>
   </p:sldIdLst>
   <p:sldSz cx="9144000" cy="6858000" type="screen4x3"/>
   <p:notesSz cx="6858000" cy="9144000"/>
@@ -732,6 +729,281 @@
           <a:bodyPr/>
           <a:lstStyle/>
           <a:p>
+            <a:r>
+              <a:rPr lang="en-US" dirty="0" smtClean="0"/>
+              <a:t>To develop our app we started by</a:t>
+            </a:r>
+            <a:r>
+              <a:rPr lang="en-US" baseline="0" dirty="0" smtClean="0"/>
+              <a:t> deciding on a development </a:t>
+            </a:r>
+            <a:r>
+              <a:rPr lang="en-US" baseline="0" dirty="0" err="1" smtClean="0"/>
+              <a:t>approch</a:t>
+            </a:r>
+            <a:r>
+              <a:rPr lang="en-US" baseline="0" dirty="0" smtClean="0"/>
+              <a:t>. We chose the agile method of scrum as it would give us the ability to monitor and track our progress most </a:t>
+            </a:r>
+            <a:r>
+              <a:rPr lang="en-US" baseline="0" dirty="0" err="1" smtClean="0"/>
+              <a:t>efectivly</a:t>
+            </a:r>
+            <a:r>
+              <a:rPr lang="en-US" baseline="0" dirty="0" smtClean="0"/>
+              <a:t> over the coding time. Using the </a:t>
+            </a:r>
+            <a:r>
+              <a:rPr lang="en-US" baseline="0" dirty="0" err="1" smtClean="0"/>
+              <a:t>webapp</a:t>
+            </a:r>
+            <a:r>
+              <a:rPr lang="en-US" baseline="0" dirty="0" smtClean="0"/>
+              <a:t> </a:t>
+            </a:r>
+            <a:r>
+              <a:rPr lang="en-US" baseline="0" dirty="0" err="1" smtClean="0"/>
+              <a:t>Trello</a:t>
+            </a:r>
+            <a:r>
+              <a:rPr lang="en-US" baseline="0" dirty="0" smtClean="0"/>
+              <a:t> we </a:t>
+            </a:r>
+            <a:r>
+              <a:rPr lang="en-US" baseline="0" dirty="0" err="1" smtClean="0"/>
+              <a:t>contructed</a:t>
+            </a:r>
+            <a:r>
+              <a:rPr lang="en-US" baseline="0" dirty="0" smtClean="0"/>
+              <a:t> a burn down chart with the user stories detailing the features we wanted to include. </a:t>
+            </a:r>
+          </a:p>
+          <a:p>
+            <a:endParaRPr lang="en-US" baseline="0" dirty="0" smtClean="0"/>
+          </a:p>
+          <a:p>
+            <a:r>
+              <a:rPr lang="en-US" baseline="0" dirty="0" smtClean="0"/>
+              <a:t>When opening the app for the first time the user will be given a list of options to setup the app to their needs. these setting should not need to be changed after setup. Sex, route </a:t>
+            </a:r>
+            <a:r>
+              <a:rPr lang="en-US" baseline="0" dirty="0" err="1" smtClean="0"/>
+              <a:t>prefs</a:t>
+            </a:r>
+            <a:r>
+              <a:rPr lang="en-US" baseline="0" dirty="0" smtClean="0"/>
+              <a:t>, </a:t>
+            </a:r>
+            <a:r>
+              <a:rPr lang="en-US" baseline="0" dirty="0" err="1" smtClean="0"/>
+              <a:t>permitions</a:t>
+            </a:r>
+            <a:r>
+              <a:rPr lang="en-US" baseline="0" dirty="0" smtClean="0"/>
+              <a:t> to access app data such as </a:t>
+            </a:r>
+            <a:r>
+              <a:rPr lang="en-US" baseline="0" dirty="0" err="1" smtClean="0"/>
+              <a:t>iOS</a:t>
+            </a:r>
+            <a:r>
+              <a:rPr lang="en-US" baseline="0" dirty="0" smtClean="0"/>
+              <a:t> health kit.</a:t>
+            </a:r>
+          </a:p>
+          <a:p>
+            <a:endParaRPr lang="en-US" baseline="0" dirty="0" smtClean="0"/>
+          </a:p>
+          <a:p>
+            <a:r>
+              <a:rPr lang="en-US" baseline="0" dirty="0" smtClean="0"/>
+              <a:t>When entering a new building the user will make themselves known to the reception desk where they are checked in and asked to place their phone onto a </a:t>
+            </a:r>
+            <a:r>
+              <a:rPr lang="en-US" baseline="0" dirty="0" err="1" smtClean="0"/>
+              <a:t>programable</a:t>
+            </a:r>
+            <a:r>
+              <a:rPr lang="en-US" baseline="0" dirty="0" smtClean="0"/>
+              <a:t> NFC or </a:t>
+            </a:r>
+            <a:r>
+              <a:rPr lang="en-US" baseline="0" dirty="0" err="1" smtClean="0"/>
+              <a:t>bluetooth</a:t>
+            </a:r>
+            <a:r>
+              <a:rPr lang="en-US" baseline="0" dirty="0" smtClean="0"/>
+              <a:t> device. From this they are logged into a guest </a:t>
+            </a:r>
+            <a:r>
+              <a:rPr lang="en-US" baseline="0" dirty="0" err="1" smtClean="0"/>
+              <a:t>wifi</a:t>
+            </a:r>
+            <a:r>
+              <a:rPr lang="en-US" baseline="0" dirty="0" smtClean="0"/>
+              <a:t> account given the location of the map to download. This allows the users device to delete old maps and free up storage. The reception contact number is imported and loaded into the app allowing the user to have a single button to press should they run into </a:t>
+            </a:r>
+            <a:r>
+              <a:rPr lang="en-US" baseline="0" dirty="0" err="1" smtClean="0"/>
+              <a:t>dificulties</a:t>
+            </a:r>
+            <a:r>
+              <a:rPr lang="en-US" baseline="0" dirty="0" smtClean="0"/>
+              <a:t>. Once the map has downloaded, the destination is then inputted and the route plotted based on the users </a:t>
+            </a:r>
+            <a:r>
+              <a:rPr lang="en-US" baseline="0" dirty="0" err="1" smtClean="0"/>
+              <a:t>preferance</a:t>
+            </a:r>
+            <a:r>
+              <a:rPr lang="en-US" baseline="0" dirty="0" smtClean="0"/>
+              <a:t>. </a:t>
+            </a:r>
+          </a:p>
+          <a:p>
+            <a:endParaRPr lang="en-US" baseline="0" dirty="0" smtClean="0"/>
+          </a:p>
+          <a:p>
+            <a:r>
+              <a:rPr lang="en-US" baseline="0" dirty="0" smtClean="0"/>
+              <a:t>The </a:t>
+            </a:r>
+            <a:r>
+              <a:rPr lang="en-US" baseline="0" dirty="0" err="1" smtClean="0"/>
+              <a:t>preferances</a:t>
+            </a:r>
+            <a:r>
+              <a:rPr lang="en-US" baseline="0" dirty="0" smtClean="0"/>
+              <a:t> for </a:t>
+            </a:r>
+            <a:r>
+              <a:rPr lang="en-US" baseline="0" dirty="0" err="1" smtClean="0"/>
+              <a:t>guideance</a:t>
+            </a:r>
+            <a:r>
+              <a:rPr lang="en-US" baseline="0" dirty="0" smtClean="0"/>
+              <a:t> the user can choose from are quickest route or safest route. A safe route will take into </a:t>
+            </a:r>
+            <a:r>
+              <a:rPr lang="en-US" baseline="0" dirty="0" err="1" smtClean="0"/>
+              <a:t>acount</a:t>
+            </a:r>
+            <a:r>
+              <a:rPr lang="en-US" baseline="0" dirty="0" smtClean="0"/>
+              <a:t> the number of </a:t>
+            </a:r>
+            <a:r>
+              <a:rPr lang="en-US" baseline="0" dirty="0" err="1" smtClean="0"/>
+              <a:t>obsticles</a:t>
+            </a:r>
+            <a:r>
+              <a:rPr lang="en-US" baseline="0" dirty="0" smtClean="0"/>
+              <a:t> and the amount of people estimated to be using a section of the route.</a:t>
+            </a:r>
+          </a:p>
+          <a:p>
+            <a:endParaRPr lang="en-US" baseline="0" dirty="0" smtClean="0"/>
+          </a:p>
+          <a:p>
+            <a:r>
+              <a:rPr lang="en-US" baseline="0" dirty="0" smtClean="0"/>
+              <a:t>The maps used will be a combination of floor plans and a heat map made from data collected from CCTV cameras, </a:t>
+            </a:r>
+            <a:r>
+              <a:rPr lang="en-US" baseline="0" dirty="0" err="1" smtClean="0"/>
+              <a:t>WiFi</a:t>
+            </a:r>
+            <a:r>
+              <a:rPr lang="en-US" baseline="0" dirty="0" smtClean="0"/>
+              <a:t> tracking and </a:t>
+            </a:r>
+            <a:r>
+              <a:rPr lang="en-US" baseline="0" dirty="0" err="1" smtClean="0"/>
+              <a:t>triangualtion</a:t>
+            </a:r>
+            <a:r>
+              <a:rPr lang="en-US" baseline="0" dirty="0" smtClean="0"/>
+              <a:t> using </a:t>
+            </a:r>
+            <a:r>
+              <a:rPr lang="en-US" baseline="0" dirty="0" err="1" smtClean="0"/>
+              <a:t>iBeacons</a:t>
+            </a:r>
+            <a:r>
+              <a:rPr lang="en-US" baseline="0" dirty="0" smtClean="0"/>
+              <a:t> (which will be placed onto every door). From this heat map we can learn about </a:t>
+            </a:r>
+            <a:r>
+              <a:rPr lang="en-US" baseline="0" dirty="0" err="1" smtClean="0"/>
+              <a:t>obsticles</a:t>
+            </a:r>
+            <a:r>
+              <a:rPr lang="en-US" baseline="0" dirty="0" smtClean="0"/>
+              <a:t> in a given room and if the layout is changed the map will be updated by others walking around these locations, </a:t>
+            </a:r>
+            <a:r>
+              <a:rPr lang="en-US" baseline="0" dirty="0" err="1" smtClean="0"/>
+              <a:t>i</a:t>
+            </a:r>
+            <a:r>
+              <a:rPr lang="it-IT" baseline="0" dirty="0" smtClean="0"/>
+              <a:t>.e.</a:t>
+            </a:r>
+            <a:r>
+              <a:rPr lang="en-US" baseline="0" dirty="0" smtClean="0"/>
+              <a:t> dark spots. </a:t>
+            </a:r>
+          </a:p>
+          <a:p>
+            <a:endParaRPr lang="en-US" baseline="0" dirty="0" smtClean="0"/>
+          </a:p>
+          <a:p>
+            <a:r>
+              <a:rPr lang="en-US" baseline="0" dirty="0" smtClean="0"/>
+              <a:t>These heat patterns will also show possible routes to a given location by others walking about their day allowing the map to be accurate without needing to be </a:t>
+            </a:r>
+            <a:r>
+              <a:rPr lang="en-US" baseline="0" dirty="0" err="1" smtClean="0"/>
+              <a:t>maunally</a:t>
+            </a:r>
+            <a:r>
+              <a:rPr lang="en-US" baseline="0" dirty="0" smtClean="0"/>
+              <a:t> updated. </a:t>
+            </a:r>
+          </a:p>
+          <a:p>
+            <a:endParaRPr lang="en-US" baseline="0" dirty="0" smtClean="0"/>
+          </a:p>
+          <a:p>
+            <a:r>
+              <a:rPr lang="en-US" baseline="0" dirty="0" smtClean="0"/>
+              <a:t>For a user returning to a location there will be a POI menu to allow them to access past location and </a:t>
+            </a:r>
+            <a:r>
+              <a:rPr lang="en-US" baseline="0" dirty="0" err="1" smtClean="0"/>
+              <a:t>faviorite</a:t>
+            </a:r>
+            <a:r>
+              <a:rPr lang="en-US" baseline="0" dirty="0" smtClean="0"/>
+              <a:t> places, to find a new location there is a search function.</a:t>
+            </a:r>
+          </a:p>
+          <a:p>
+            <a:endParaRPr lang="en-US" baseline="0" dirty="0" smtClean="0"/>
+          </a:p>
+          <a:p>
+            <a:r>
+              <a:rPr lang="en-US" baseline="0" dirty="0" smtClean="0"/>
+              <a:t> To navigate, the app will notify the user using audio and vibration cues. These are fully </a:t>
+            </a:r>
+            <a:r>
+              <a:rPr lang="en-US" baseline="0" dirty="0" err="1" smtClean="0"/>
+              <a:t>customisable</a:t>
+            </a:r>
+            <a:r>
+              <a:rPr lang="en-US" baseline="0" dirty="0" smtClean="0"/>
+              <a:t>. </a:t>
+            </a:r>
             <a:endParaRPr lang="en-US" dirty="0"/>
           </a:p>
         </p:txBody>
@@ -762,7 +1034,7 @@
     </p:spTree>
     <p:extLst>
       <p:ext uri="{BB962C8B-B14F-4D97-AF65-F5344CB8AC3E}">
-        <p14:creationId xmlns:p14="http://schemas.microsoft.com/office/powerpoint/2010/main" val="4283213873"/>
+        <p14:creationId xmlns:p14="http://schemas.microsoft.com/office/powerpoint/2010/main" val="4061473102"/>
       </p:ext>
     </p:extLst>
   </p:cSld>
@@ -818,115 +1090,53 @@
           <a:p>
             <a:r>
               <a:rPr lang="en-US" dirty="0" smtClean="0"/>
-              <a:t>Our </a:t>
-            </a:r>
-            <a:r>
-              <a:rPr lang="en-US" dirty="0" err="1" smtClean="0"/>
-              <a:t>guideance</a:t>
-            </a:r>
-            <a:r>
-              <a:rPr lang="en-US" dirty="0" smtClean="0"/>
-              <a:t> system works on audio and touch</a:t>
-            </a:r>
-            <a:r>
-              <a:rPr lang="en-US" baseline="0" dirty="0" smtClean="0"/>
-              <a:t> cues to allow a visually </a:t>
+              <a:t>We understand</a:t>
+            </a:r>
+            <a:r>
+              <a:rPr lang="en-US" baseline="0" dirty="0" smtClean="0"/>
+              <a:t> that the cost of the hardware implementation will ether need to be covered by the hosting company or the charity, therefore these costs will need to as low as reasonably possible. </a:t>
+            </a:r>
+          </a:p>
+          <a:p>
+            <a:endParaRPr lang="en-US" baseline="0" dirty="0" smtClean="0"/>
+          </a:p>
+          <a:p>
+            <a:r>
+              <a:rPr lang="en-US" baseline="0" dirty="0" smtClean="0"/>
+              <a:t>We conducted research into the industry standards regarding how best to represent data on screen for those who are visually impaired. The no 1 thing we needed to make sure we included was alt text on all elements inside our code to allow a screen reader to communicate to the user. Secondly the use of </a:t>
             </a:r>
             <a:r>
               <a:rPr lang="en-US" baseline="0" dirty="0" err="1" smtClean="0"/>
-              <a:t>imapred</a:t>
-            </a:r>
-            <a:r>
-              <a:rPr lang="en-US" baseline="0" dirty="0" smtClean="0"/>
-              <a:t> user to navigate to their desired location. As VI is a spectrum we have catered for those who are partially sighted by including the option to </a:t>
+              <a:t>colour</a:t>
+            </a:r>
+            <a:r>
+              <a:rPr lang="en-US" baseline="0" dirty="0" smtClean="0"/>
+              <a:t>, contrast and size. We have used large, block </a:t>
             </a:r>
             <a:r>
               <a:rPr lang="en-US" baseline="0" dirty="0" err="1" smtClean="0"/>
-              <a:t>veiw</a:t>
-            </a:r>
-            <a:r>
-              <a:rPr lang="en-US" baseline="0" dirty="0" smtClean="0"/>
-              <a:t> icons on the screen along with a map of their current location and the route they need to take and their next movements. For those with total loss of sight we  have </a:t>
+              <a:t>colour</a:t>
+            </a:r>
+            <a:r>
+              <a:rPr lang="en-US" baseline="0" dirty="0" smtClean="0"/>
+              <a:t> with contrasting text </a:t>
             </a:r>
             <a:r>
               <a:rPr lang="en-US" baseline="0" dirty="0" err="1" smtClean="0"/>
-              <a:t>suported</a:t>
-            </a:r>
-            <a:r>
-              <a:rPr lang="en-US" baseline="0" dirty="0" smtClean="0"/>
-              <a:t> them by extending the interaction interface that they are </a:t>
+              <a:t>colours</a:t>
+            </a:r>
+            <a:r>
+              <a:rPr lang="en-US" baseline="0" dirty="0" smtClean="0"/>
+              <a:t> to </a:t>
             </a:r>
             <a:r>
               <a:rPr lang="en-US" baseline="0" dirty="0" err="1" smtClean="0"/>
-              <a:t>familier</a:t>
-            </a:r>
-            <a:r>
-              <a:rPr lang="en-US" baseline="0" dirty="0" smtClean="0"/>
-              <a:t> with using. Our app will allow them to navigate around any location and help reduce the risk of injury.</a:t>
-            </a:r>
-          </a:p>
-          <a:p>
-            <a:endParaRPr lang="en-US" baseline="0" dirty="0" smtClean="0"/>
-          </a:p>
-          <a:p>
-            <a:r>
-              <a:rPr lang="en-US" baseline="0" dirty="0" smtClean="0"/>
-              <a:t>With real time updates and pattern recognition even seasoned users of a location will be able to find the route that </a:t>
-            </a:r>
-            <a:r>
-              <a:rPr lang="en-US" baseline="0" dirty="0" err="1" smtClean="0"/>
-              <a:t>sutes</a:t>
-            </a:r>
-            <a:r>
-              <a:rPr lang="en-US" baseline="0" dirty="0" smtClean="0"/>
-              <a:t> their needs best, </a:t>
-            </a:r>
-            <a:r>
-              <a:rPr lang="en-US" baseline="0" dirty="0" err="1" smtClean="0"/>
-              <a:t>wether</a:t>
-            </a:r>
-            <a:r>
-              <a:rPr lang="en-US" baseline="0" dirty="0" smtClean="0"/>
-              <a:t> it</a:t>
-            </a:r>
-            <a:r>
-              <a:rPr lang="mr-IN" baseline="0" dirty="0" smtClean="0"/>
-              <a:t>’</a:t>
-            </a:r>
-            <a:r>
-              <a:rPr lang="en-US" baseline="0" dirty="0" smtClean="0"/>
-              <a:t>s the quickest route, to </a:t>
-            </a:r>
-            <a:r>
-              <a:rPr lang="en-US" baseline="0" dirty="0" err="1" smtClean="0"/>
-              <a:t>aviod</a:t>
-            </a:r>
-            <a:r>
-              <a:rPr lang="en-US" baseline="0" dirty="0" smtClean="0"/>
-              <a:t> </a:t>
-            </a:r>
-            <a:r>
-              <a:rPr lang="en-US" baseline="0" dirty="0" err="1" smtClean="0"/>
-              <a:t>obsicles</a:t>
-            </a:r>
-            <a:r>
-              <a:rPr lang="en-US" baseline="0" dirty="0" smtClean="0"/>
-              <a:t> or crowds of people. </a:t>
-            </a:r>
-          </a:p>
-          <a:p>
-            <a:endParaRPr lang="en-US" baseline="0" dirty="0" smtClean="0"/>
-          </a:p>
-          <a:p>
-            <a:r>
-              <a:rPr lang="en-US" baseline="0" dirty="0" smtClean="0"/>
-              <a:t>By leveraging technology that already exists at most public locations and repurposing it we hope to make the implementation of our system at a new location as easy as possible. </a:t>
-            </a:r>
-          </a:p>
-          <a:p>
-            <a:endParaRPr lang="en-US" baseline="0" dirty="0" smtClean="0"/>
-          </a:p>
-          <a:p>
+              <a:t>assit</a:t>
+            </a:r>
+            <a:r>
+              <a:rPr lang="en-US" baseline="0" dirty="0" smtClean="0"/>
+              <a:t> those with partial sight. </a:t>
+            </a:r>
             <a:endParaRPr lang="en-US" dirty="0"/>
           </a:p>
         </p:txBody>
@@ -948,7 +1158,7 @@
           <a:p>
             <a:fld id="{69400948-F701-F54B-8B7B-D77BFDED1019}" type="slidenum">
               <a:rPr lang="en-US" smtClean="0"/>
-              <a:t>5</a:t>
+              <a:t>4</a:t>
             </a:fld>
             <a:endParaRPr lang="en-US"/>
           </a:p>
@@ -957,7 +1167,7 @@
     </p:spTree>
     <p:extLst>
       <p:ext uri="{BB962C8B-B14F-4D97-AF65-F5344CB8AC3E}">
-        <p14:creationId xmlns:p14="http://schemas.microsoft.com/office/powerpoint/2010/main" val="3025384563"/>
+        <p14:creationId xmlns:p14="http://schemas.microsoft.com/office/powerpoint/2010/main" val="2882335999"/>
       </p:ext>
     </p:extLst>
   </p:cSld>
@@ -1013,11 +1223,125 @@
           <a:p>
             <a:r>
               <a:rPr lang="en-US" dirty="0" smtClean="0"/>
-              <a:t>We understand</a:t>
-            </a:r>
-            <a:r>
-              <a:rPr lang="en-US" baseline="0" dirty="0" smtClean="0"/>
-              <a:t> that the cost of the hardware implementation will ether need to be covered by the hosting company or the charity, therefore these costs will need to as low as reasonably possible. to achieve this we have tried to tap into systems that are already in place. </a:t>
+              <a:t>How often</a:t>
+            </a:r>
+            <a:r>
+              <a:rPr lang="en-US" baseline="0" dirty="0" smtClean="0"/>
+              <a:t> have you got lost in a new building or got caught in a crowd? The </a:t>
+            </a:r>
+            <a:r>
+              <a:rPr lang="en-US" baseline="0" dirty="0" err="1" smtClean="0"/>
+              <a:t>apllication</a:t>
+            </a:r>
+            <a:r>
+              <a:rPr lang="en-US" baseline="0" dirty="0" smtClean="0"/>
+              <a:t> could be extended to allow sighted people to take advantage of its </a:t>
+            </a:r>
+            <a:r>
+              <a:rPr lang="en-US" baseline="0" dirty="0" err="1" smtClean="0"/>
+              <a:t>navagation</a:t>
+            </a:r>
+            <a:r>
+              <a:rPr lang="en-US" baseline="0" dirty="0" smtClean="0"/>
+              <a:t> and route finding features.</a:t>
+            </a:r>
+          </a:p>
+          <a:p>
+            <a:endParaRPr lang="en-US" baseline="0" dirty="0" smtClean="0"/>
+          </a:p>
+          <a:p>
+            <a:r>
+              <a:rPr lang="en-US" baseline="0" dirty="0" smtClean="0"/>
+              <a:t>The </a:t>
+            </a:r>
+            <a:r>
+              <a:rPr lang="en-US" baseline="0" dirty="0" err="1" smtClean="0"/>
+              <a:t>iBeacons</a:t>
+            </a:r>
+            <a:r>
+              <a:rPr lang="en-US" baseline="0" dirty="0" smtClean="0"/>
+              <a:t> would allow for multiple uses with different applications. </a:t>
+            </a:r>
+            <a:r>
+              <a:rPr lang="hr-HR" baseline="0" dirty="0" smtClean="0"/>
+              <a:t>I.e.</a:t>
+            </a:r>
+            <a:r>
+              <a:rPr lang="en-US" baseline="0" dirty="0" smtClean="0"/>
+              <a:t> one located in the </a:t>
+            </a:r>
+            <a:r>
+              <a:rPr lang="en-US" baseline="0" dirty="0" err="1" smtClean="0"/>
+              <a:t>atrum</a:t>
+            </a:r>
+            <a:r>
+              <a:rPr lang="en-US" baseline="0" dirty="0" smtClean="0"/>
+              <a:t> of the Hampshire building could give a </a:t>
+            </a:r>
+            <a:r>
+              <a:rPr lang="en-US" baseline="0" dirty="0" err="1" smtClean="0"/>
+              <a:t>breif</a:t>
+            </a:r>
+            <a:r>
+              <a:rPr lang="en-US" baseline="0" dirty="0" smtClean="0"/>
+              <a:t> history of the company and the </a:t>
+            </a:r>
+            <a:r>
+              <a:rPr lang="en-US" baseline="0" dirty="0" err="1" smtClean="0"/>
+              <a:t>atruim</a:t>
+            </a:r>
+            <a:r>
+              <a:rPr lang="en-US" baseline="0" dirty="0" smtClean="0"/>
+              <a:t> itself or one lo </a:t>
+            </a:r>
+            <a:r>
+              <a:rPr lang="en-US" baseline="0" dirty="0" err="1" smtClean="0"/>
+              <a:t>ated</a:t>
+            </a:r>
+            <a:r>
+              <a:rPr lang="en-US" baseline="0" dirty="0" smtClean="0"/>
+              <a:t> outside an office door could list contact details and link to a </a:t>
+            </a:r>
+            <a:r>
+              <a:rPr lang="en-US" baseline="0" dirty="0" err="1" smtClean="0"/>
+              <a:t>calander</a:t>
+            </a:r>
+            <a:r>
+              <a:rPr lang="en-US" baseline="0" dirty="0" smtClean="0"/>
+              <a:t> to show </a:t>
+            </a:r>
+            <a:r>
+              <a:rPr lang="en-US" baseline="0" dirty="0" err="1" smtClean="0"/>
+              <a:t>avalibility</a:t>
+            </a:r>
+            <a:r>
+              <a:rPr lang="en-US" baseline="0" dirty="0" smtClean="0"/>
+              <a:t>. </a:t>
+            </a:r>
+          </a:p>
+          <a:p>
+            <a:endParaRPr lang="en-US" baseline="0" dirty="0" smtClean="0"/>
+          </a:p>
+          <a:p>
+            <a:r>
+              <a:rPr lang="en-US" baseline="0" dirty="0" smtClean="0"/>
+              <a:t>With the heat maps it would be possible to use the information to plan effective advertising in a sales location, plan routes and investigate </a:t>
+            </a:r>
+            <a:r>
+              <a:rPr lang="en-US" baseline="0" dirty="0" err="1" smtClean="0"/>
+              <a:t>congestied</a:t>
+            </a:r>
+            <a:r>
+              <a:rPr lang="en-US" baseline="0" dirty="0" smtClean="0"/>
+              <a:t> passages to see how to </a:t>
+            </a:r>
+            <a:r>
+              <a:rPr lang="en-US" baseline="0" dirty="0" err="1" smtClean="0"/>
+              <a:t>effectivly</a:t>
+            </a:r>
+            <a:r>
+              <a:rPr lang="en-US" baseline="0" dirty="0" smtClean="0"/>
+              <a:t> move people around the location. </a:t>
             </a:r>
             <a:endParaRPr lang="en-US" dirty="0"/>
           </a:p>
@@ -1041,308 +1365,6 @@
             <a:fld id="{69400948-F701-F54B-8B7B-D77BFDED1019}" type="slidenum">
               <a:rPr lang="en-US" smtClean="0"/>
               <a:t>6</a:t>
-            </a:fld>
-            <a:endParaRPr lang="en-US"/>
-          </a:p>
-        </p:txBody>
-      </p:sp>
-    </p:spTree>
-    <p:extLst>
-      <p:ext uri="{BB962C8B-B14F-4D97-AF65-F5344CB8AC3E}">
-        <p14:creationId xmlns:p14="http://schemas.microsoft.com/office/powerpoint/2010/main" val="2882335999"/>
-      </p:ext>
-    </p:extLst>
-  </p:cSld>
-  <p:clrMapOvr>
-    <a:masterClrMapping/>
-  </p:clrMapOvr>
-</p:notes>
-</file>
-
-<file path=ppt/notesSlides/notesSlide5.xml><?xml version="1.0" encoding="utf-8"?>
-<p:notes xmlns:a="http://schemas.openxmlformats.org/drawingml/2006/main" xmlns:r="http://schemas.openxmlformats.org/officeDocument/2006/relationships" xmlns:p="http://schemas.openxmlformats.org/presentationml/2006/main">
-  <p:cSld>
-    <p:spTree>
-      <p:nvGrpSpPr>
-        <p:cNvPr id="1" name=""/>
-        <p:cNvGrpSpPr/>
-        <p:nvPr/>
-      </p:nvGrpSpPr>
-      <p:grpSpPr>
-        <a:xfrm>
-          <a:off x="0" y="0"/>
-          <a:ext cx="0" cy="0"/>
-          <a:chOff x="0" y="0"/>
-          <a:chExt cx="0" cy="0"/>
-        </a:xfrm>
-      </p:grpSpPr>
-      <p:sp>
-        <p:nvSpPr>
-          <p:cNvPr id="2" name="Slide Image Placeholder 1"/>
-          <p:cNvSpPr>
-            <a:spLocks noGrp="1" noRot="1" noChangeAspect="1"/>
-          </p:cNvSpPr>
-          <p:nvPr>
-            <p:ph type="sldImg"/>
-          </p:nvPr>
-        </p:nvSpPr>
-        <p:spPr/>
-      </p:sp>
-      <p:sp>
-        <p:nvSpPr>
-          <p:cNvPr id="3" name="Notes Placeholder 2"/>
-          <p:cNvSpPr>
-            <a:spLocks noGrp="1"/>
-          </p:cNvSpPr>
-          <p:nvPr>
-            <p:ph type="body" idx="1"/>
-          </p:nvPr>
-        </p:nvSpPr>
-        <p:spPr/>
-        <p:txBody>
-          <a:bodyPr/>
-          <a:lstStyle/>
-          <a:p>
-            <a:r>
-              <a:rPr lang="en-US" dirty="0" smtClean="0"/>
-              <a:t>Some features</a:t>
-            </a:r>
-            <a:r>
-              <a:rPr lang="en-US" baseline="0" dirty="0" smtClean="0"/>
-              <a:t> we feel could benefit from research within the </a:t>
-            </a:r>
-            <a:r>
-              <a:rPr lang="en-US" baseline="0" smtClean="0"/>
-              <a:t>VI community. </a:t>
-            </a:r>
-            <a:endParaRPr lang="en-US"/>
-          </a:p>
-        </p:txBody>
-      </p:sp>
-      <p:sp>
-        <p:nvSpPr>
-          <p:cNvPr id="4" name="Slide Number Placeholder 3"/>
-          <p:cNvSpPr>
-            <a:spLocks noGrp="1"/>
-          </p:cNvSpPr>
-          <p:nvPr>
-            <p:ph type="sldNum" sz="quarter" idx="10"/>
-          </p:nvPr>
-        </p:nvSpPr>
-        <p:spPr/>
-        <p:txBody>
-          <a:bodyPr/>
-          <a:lstStyle/>
-          <a:p>
-            <a:fld id="{69400948-F701-F54B-8B7B-D77BFDED1019}" type="slidenum">
-              <a:rPr lang="en-US" smtClean="0"/>
-              <a:t>7</a:t>
-            </a:fld>
-            <a:endParaRPr lang="en-US"/>
-          </a:p>
-        </p:txBody>
-      </p:sp>
-    </p:spTree>
-    <p:extLst>
-      <p:ext uri="{BB962C8B-B14F-4D97-AF65-F5344CB8AC3E}">
-        <p14:creationId xmlns:p14="http://schemas.microsoft.com/office/powerpoint/2010/main" val="2944255310"/>
-      </p:ext>
-    </p:extLst>
-  </p:cSld>
-  <p:clrMapOvr>
-    <a:masterClrMapping/>
-  </p:clrMapOvr>
-</p:notes>
-</file>
-
-<file path=ppt/notesSlides/notesSlide6.xml><?xml version="1.0" encoding="utf-8"?>
-<p:notes xmlns:a="http://schemas.openxmlformats.org/drawingml/2006/main" xmlns:r="http://schemas.openxmlformats.org/officeDocument/2006/relationships" xmlns:p="http://schemas.openxmlformats.org/presentationml/2006/main">
-  <p:cSld>
-    <p:spTree>
-      <p:nvGrpSpPr>
-        <p:cNvPr id="1" name=""/>
-        <p:cNvGrpSpPr/>
-        <p:nvPr/>
-      </p:nvGrpSpPr>
-      <p:grpSpPr>
-        <a:xfrm>
-          <a:off x="0" y="0"/>
-          <a:ext cx="0" cy="0"/>
-          <a:chOff x="0" y="0"/>
-          <a:chExt cx="0" cy="0"/>
-        </a:xfrm>
-      </p:grpSpPr>
-      <p:sp>
-        <p:nvSpPr>
-          <p:cNvPr id="2" name="Slide Image Placeholder 1"/>
-          <p:cNvSpPr>
-            <a:spLocks noGrp="1" noRot="1" noChangeAspect="1"/>
-          </p:cNvSpPr>
-          <p:nvPr>
-            <p:ph type="sldImg"/>
-          </p:nvPr>
-        </p:nvSpPr>
-        <p:spPr/>
-      </p:sp>
-      <p:sp>
-        <p:nvSpPr>
-          <p:cNvPr id="3" name="Notes Placeholder 2"/>
-          <p:cNvSpPr>
-            <a:spLocks noGrp="1"/>
-          </p:cNvSpPr>
-          <p:nvPr>
-            <p:ph type="body" idx="1"/>
-          </p:nvPr>
-        </p:nvSpPr>
-        <p:spPr/>
-        <p:txBody>
-          <a:bodyPr/>
-          <a:lstStyle/>
-          <a:p>
-            <a:r>
-              <a:rPr lang="en-US" dirty="0" smtClean="0"/>
-              <a:t>How often</a:t>
-            </a:r>
-            <a:r>
-              <a:rPr lang="en-US" baseline="0" dirty="0" smtClean="0"/>
-              <a:t> have you got lost in a new building or got caught in a crowd? The </a:t>
-            </a:r>
-            <a:r>
-              <a:rPr lang="en-US" baseline="0" dirty="0" err="1" smtClean="0"/>
-              <a:t>apllication</a:t>
-            </a:r>
-            <a:r>
-              <a:rPr lang="en-US" baseline="0" dirty="0" smtClean="0"/>
-              <a:t> could be extended to allow sighted people to take advantage of its </a:t>
-            </a:r>
-            <a:r>
-              <a:rPr lang="en-US" baseline="0" dirty="0" err="1" smtClean="0"/>
-              <a:t>navagation</a:t>
-            </a:r>
-            <a:r>
-              <a:rPr lang="en-US" baseline="0" dirty="0" smtClean="0"/>
-              <a:t> and route finding features.</a:t>
-            </a:r>
-          </a:p>
-          <a:p>
-            <a:endParaRPr lang="en-US" baseline="0" dirty="0" smtClean="0"/>
-          </a:p>
-          <a:p>
-            <a:r>
-              <a:rPr lang="en-US" baseline="0" dirty="0" smtClean="0"/>
-              <a:t>The </a:t>
-            </a:r>
-            <a:r>
-              <a:rPr lang="en-US" baseline="0" dirty="0" err="1" smtClean="0"/>
-              <a:t>iBeacons</a:t>
-            </a:r>
-            <a:r>
-              <a:rPr lang="en-US" baseline="0" dirty="0" smtClean="0"/>
-              <a:t> would allow for multiple uses with different applications. </a:t>
-            </a:r>
-            <a:r>
-              <a:rPr lang="hr-HR" baseline="0" dirty="0" smtClean="0"/>
-              <a:t>I.e.</a:t>
-            </a:r>
-            <a:r>
-              <a:rPr lang="en-US" baseline="0" dirty="0" smtClean="0"/>
-              <a:t> one located in the </a:t>
-            </a:r>
-            <a:r>
-              <a:rPr lang="en-US" baseline="0" dirty="0" err="1" smtClean="0"/>
-              <a:t>atrum</a:t>
-            </a:r>
-            <a:r>
-              <a:rPr lang="en-US" baseline="0" dirty="0" smtClean="0"/>
-              <a:t> of the Hampshire building could give a </a:t>
-            </a:r>
-            <a:r>
-              <a:rPr lang="en-US" baseline="0" dirty="0" err="1" smtClean="0"/>
-              <a:t>breif</a:t>
-            </a:r>
-            <a:r>
-              <a:rPr lang="en-US" baseline="0" dirty="0" smtClean="0"/>
-              <a:t> history of the company and the </a:t>
-            </a:r>
-            <a:r>
-              <a:rPr lang="en-US" baseline="0" dirty="0" err="1" smtClean="0"/>
-              <a:t>atruim</a:t>
-            </a:r>
-            <a:r>
-              <a:rPr lang="en-US" baseline="0" dirty="0" smtClean="0"/>
-              <a:t> itself or one lo </a:t>
-            </a:r>
-            <a:r>
-              <a:rPr lang="en-US" baseline="0" dirty="0" err="1" smtClean="0"/>
-              <a:t>ated</a:t>
-            </a:r>
-            <a:r>
-              <a:rPr lang="en-US" baseline="0" dirty="0" smtClean="0"/>
-              <a:t> outside an office door could list contact details and link to a </a:t>
-            </a:r>
-            <a:r>
-              <a:rPr lang="en-US" baseline="0" dirty="0" err="1" smtClean="0"/>
-              <a:t>calander</a:t>
-            </a:r>
-            <a:r>
-              <a:rPr lang="en-US" baseline="0" dirty="0" smtClean="0"/>
-              <a:t> to show </a:t>
-            </a:r>
-            <a:r>
-              <a:rPr lang="en-US" baseline="0" dirty="0" err="1" smtClean="0"/>
-              <a:t>avalibility</a:t>
-            </a:r>
-            <a:r>
-              <a:rPr lang="en-US" baseline="0" dirty="0" smtClean="0"/>
-              <a:t>. </a:t>
-            </a:r>
-          </a:p>
-          <a:p>
-            <a:endParaRPr lang="en-US" baseline="0" dirty="0" smtClean="0"/>
-          </a:p>
-          <a:p>
-            <a:r>
-              <a:rPr lang="en-US" baseline="0" dirty="0" smtClean="0"/>
-              <a:t>With the heat maps it would be possible to use the information to plan effective advertising in a sales location, plan routes and investigate </a:t>
-            </a:r>
-            <a:r>
-              <a:rPr lang="en-US" baseline="0" dirty="0" err="1" smtClean="0"/>
-              <a:t>congestied</a:t>
-            </a:r>
-            <a:r>
-              <a:rPr lang="en-US" baseline="0" dirty="0" smtClean="0"/>
-              <a:t> passages to see how to </a:t>
-            </a:r>
-            <a:r>
-              <a:rPr lang="en-US" baseline="0" dirty="0" err="1" smtClean="0"/>
-              <a:t>effectivly</a:t>
-            </a:r>
-            <a:r>
-              <a:rPr lang="en-US" baseline="0" dirty="0" smtClean="0"/>
-              <a:t> move people around the location. </a:t>
-            </a:r>
-            <a:endParaRPr lang="en-US" dirty="0"/>
-          </a:p>
-        </p:txBody>
-      </p:sp>
-      <p:sp>
-        <p:nvSpPr>
-          <p:cNvPr id="4" name="Slide Number Placeholder 3"/>
-          <p:cNvSpPr>
-            <a:spLocks noGrp="1"/>
-          </p:cNvSpPr>
-          <p:nvPr>
-            <p:ph type="sldNum" sz="quarter" idx="10"/>
-          </p:nvPr>
-        </p:nvSpPr>
-        <p:spPr/>
-        <p:txBody>
-          <a:bodyPr/>
-          <a:lstStyle/>
-          <a:p>
-            <a:fld id="{69400948-F701-F54B-8B7B-D77BFDED1019}" type="slidenum">
-              <a:rPr lang="en-US" smtClean="0"/>
-              <a:t>9</a:t>
             </a:fld>
             <a:endParaRPr lang="en-US"/>
           </a:p>
@@ -1390,13 +1412,19 @@
         </p:nvSpPr>
         <p:spPr>
           <a:xfrm>
-            <a:off x="685800" y="2130425"/>
-            <a:ext cx="7772400" cy="1470025"/>
+            <a:off x="914400" y="2516624"/>
+            <a:ext cx="7315200" cy="2595025"/>
           </a:xfrm>
         </p:spPr>
         <p:txBody>
-          <a:bodyPr/>
-          <a:lstStyle/>
+          <a:bodyPr>
+            <a:normAutofit/>
+          </a:bodyPr>
+          <a:lstStyle>
+            <a:lvl1pPr>
+              <a:defRPr sz="4800"/>
+            </a:lvl1pPr>
+          </a:lstStyle>
           <a:p>
             <a:r>
               <a:rPr lang="en-GB" smtClean="0"/>
@@ -1418,20 +1446,20 @@
         </p:nvSpPr>
         <p:spPr>
           <a:xfrm>
-            <a:off x="1371600" y="3886200"/>
-            <a:ext cx="6400800" cy="1752600"/>
+            <a:off x="914400" y="5166530"/>
+            <a:ext cx="7315200" cy="1144632"/>
           </a:xfrm>
         </p:spPr>
         <p:txBody>
-          <a:bodyPr/>
+          <a:bodyPr>
+            <a:normAutofit/>
+          </a:bodyPr>
           <a:lstStyle>
-            <a:lvl1pPr marL="0" indent="0" algn="ctr">
-              <a:buNone/>
-              <a:defRPr>
+            <a:lvl1pPr marL="0" indent="0" algn="l">
+              <a:buNone/>
+              <a:defRPr sz="2200">
                 <a:solidFill>
-                  <a:schemeClr val="tx1">
-                    <a:tint val="75000"/>
-                  </a:schemeClr>
+                  <a:schemeClr val="tx1"/>
                 </a:solidFill>
               </a:defRPr>
             </a:lvl1pPr>
@@ -1521,13 +1549,13 @@
               <a:rPr lang="en-GB" smtClean="0"/>
               <a:t>Click to edit Master subtitle style</a:t>
             </a:r>
-            <a:endParaRPr lang="en-US"/>
-          </a:p>
-        </p:txBody>
-      </p:sp>
-      <p:sp>
-        <p:nvSpPr>
-          <p:cNvPr id="4" name="Date Placeholder 3"/>
+            <a:endParaRPr lang="en-US" dirty="0"/>
+          </a:p>
+        </p:txBody>
+      </p:sp>
+      <p:sp>
+        <p:nvSpPr>
+          <p:cNvPr id="7" name="Date Placeholder 6"/>
           <p:cNvSpPr>
             <a:spLocks noGrp="1"/>
           </p:cNvSpPr>
@@ -1540,49 +1568,31 @@
           <a:bodyPr/>
           <a:lstStyle/>
           <a:p>
-            <a:fld id="{FFC0ABEC-A5E7-2846-9677-E4022DE8328A}" type="datetimeFigureOut">
+            <a:fld id="{8ACDB3CC-F982-40F9-8DD6-BCC9AFBF44BD}" type="datetime1">
               <a:rPr lang="en-US" smtClean="0"/>
+              <a:pPr/>
               <a:t>18/11/16</a:t>
             </a:fld>
-            <a:endParaRPr lang="en-US"/>
-          </a:p>
-        </p:txBody>
-      </p:sp>
-      <p:sp>
-        <p:nvSpPr>
-          <p:cNvPr id="5" name="Footer Placeholder 4"/>
-          <p:cNvSpPr>
-            <a:spLocks noGrp="1"/>
-          </p:cNvSpPr>
-          <p:nvPr>
-            <p:ph type="ftr" sz="quarter" idx="11"/>
-          </p:nvPr>
-        </p:nvSpPr>
-        <p:spPr/>
-        <p:txBody>
-          <a:bodyPr/>
-          <a:lstStyle/>
-          <a:p>
-            <a:endParaRPr lang="en-US"/>
-          </a:p>
-        </p:txBody>
-      </p:sp>
-      <p:sp>
-        <p:nvSpPr>
-          <p:cNvPr id="6" name="Slide Number Placeholder 5"/>
-          <p:cNvSpPr>
-            <a:spLocks noGrp="1"/>
-          </p:cNvSpPr>
-          <p:nvPr>
-            <p:ph type="sldNum" sz="quarter" idx="12"/>
-          </p:nvPr>
-        </p:nvSpPr>
-        <p:spPr/>
-        <p:txBody>
-          <a:bodyPr/>
-          <a:lstStyle/>
-          <a:p>
-            <a:fld id="{A112122E-314F-6441-BB3F-70C15744DE39}" type="slidenum">
+            <a:endParaRPr lang="en-US" dirty="0"/>
+          </a:p>
+        </p:txBody>
+      </p:sp>
+      <p:sp>
+        <p:nvSpPr>
+          <p:cNvPr id="8" name="Slide Number Placeholder 7"/>
+          <p:cNvSpPr>
+            <a:spLocks noGrp="1"/>
+          </p:cNvSpPr>
+          <p:nvPr>
+            <p:ph type="sldNum" sz="quarter" idx="11"/>
+          </p:nvPr>
+        </p:nvSpPr>
+        <p:spPr/>
+        <p:txBody>
+          <a:bodyPr/>
+          <a:lstStyle/>
+          <a:p>
+            <a:fld id="{886BB73A-582F-4420-9A14-CB10A2B2E5E8}" type="slidenum">
               <a:rPr lang="en-US" smtClean="0"/>
               <a:t>‹#›</a:t>
             </a:fld>
@@ -1590,12 +1600,26 @@
           </a:p>
         </p:txBody>
       </p:sp>
+      <p:sp>
+        <p:nvSpPr>
+          <p:cNvPr id="9" name="Footer Placeholder 8"/>
+          <p:cNvSpPr>
+            <a:spLocks noGrp="1"/>
+          </p:cNvSpPr>
+          <p:nvPr>
+            <p:ph type="ftr" sz="quarter" idx="12"/>
+          </p:nvPr>
+        </p:nvSpPr>
+        <p:spPr/>
+        <p:txBody>
+          <a:bodyPr/>
+          <a:lstStyle/>
+          <a:p>
+            <a:endParaRPr lang="en-US" dirty="0"/>
+          </a:p>
+        </p:txBody>
+      </p:sp>
     </p:spTree>
-    <p:extLst>
-      <p:ext uri="{BB962C8B-B14F-4D97-AF65-F5344CB8AC3E}">
-        <p14:creationId xmlns:p14="http://schemas.microsoft.com/office/powerpoint/2010/main" val="3732208361"/>
-      </p:ext>
-    </p:extLst>
   </p:cSld>
   <p:clrMapOvr>
     <a:masterClrMapping/>
@@ -1761,11 +1785,6 @@
         </p:txBody>
       </p:sp>
     </p:spTree>
-    <p:extLst>
-      <p:ext uri="{BB962C8B-B14F-4D97-AF65-F5344CB8AC3E}">
-        <p14:creationId xmlns:p14="http://schemas.microsoft.com/office/powerpoint/2010/main" val="3598232928"/>
-      </p:ext>
-    </p:extLst>
   </p:cSld>
   <p:clrMapOvr>
     <a:masterClrMapping/>
@@ -1802,8 +1821,8 @@
         </p:nvSpPr>
         <p:spPr>
           <a:xfrm>
-            <a:off x="6629400" y="274638"/>
-            <a:ext cx="2057400" cy="5851525"/>
+            <a:off x="6248400" y="1826709"/>
+            <a:ext cx="1492499" cy="4484454"/>
           </a:xfrm>
         </p:spPr>
         <p:txBody>
@@ -1830,8 +1849,8 @@
         </p:nvSpPr>
         <p:spPr>
           <a:xfrm>
-            <a:off x="457200" y="274638"/>
-            <a:ext cx="6019800" cy="5851525"/>
+            <a:off x="854524" y="1826709"/>
+            <a:ext cx="5241476" cy="4484454"/>
           </a:xfrm>
         </p:spPr>
         <p:txBody>
@@ -1941,11 +1960,6 @@
         </p:txBody>
       </p:sp>
     </p:spTree>
-    <p:extLst>
-      <p:ext uri="{BB962C8B-B14F-4D97-AF65-F5344CB8AC3E}">
-        <p14:creationId xmlns:p14="http://schemas.microsoft.com/office/powerpoint/2010/main" val="2015053566"/>
-      </p:ext>
-    </p:extLst>
   </p:cSld>
   <p:clrMapOvr>
     <a:masterClrMapping/>
@@ -2041,7 +2055,7 @@
               <a:rPr lang="en-GB" smtClean="0"/>
               <a:t>Fifth level</a:t>
             </a:r>
-            <a:endParaRPr lang="en-US"/>
+            <a:endParaRPr lang="en-US" dirty="0"/>
           </a:p>
         </p:txBody>
       </p:sp>
@@ -2111,11 +2125,6 @@
         </p:txBody>
       </p:sp>
     </p:spTree>
-    <p:extLst>
-      <p:ext uri="{BB962C8B-B14F-4D97-AF65-F5344CB8AC3E}">
-        <p14:creationId xmlns:p14="http://schemas.microsoft.com/office/powerpoint/2010/main" val="3421181009"/>
-      </p:ext>
-    </p:extLst>
   </p:cSld>
   <p:clrMapOvr>
     <a:masterClrMapping/>
@@ -2152,15 +2161,15 @@
         </p:nvSpPr>
         <p:spPr>
           <a:xfrm>
-            <a:off x="722313" y="4406900"/>
-            <a:ext cx="7772400" cy="1362075"/>
+            <a:off x="914400" y="5017572"/>
+            <a:ext cx="7315200" cy="1293592"/>
           </a:xfrm>
         </p:spPr>
         <p:txBody>
           <a:bodyPr anchor="t"/>
           <a:lstStyle>
             <a:lvl1pPr algn="l">
-              <a:defRPr sz="4000" b="1" cap="all"/>
+              <a:defRPr sz="4000" b="0" cap="none"/>
             </a:lvl1pPr>
           </a:lstStyle>
           <a:p>
@@ -2184,8 +2193,8 @@
         </p:nvSpPr>
         <p:spPr>
           <a:xfrm>
-            <a:off x="722313" y="2906713"/>
-            <a:ext cx="7772400" cy="1500187"/>
+            <a:off x="914400" y="3865097"/>
+            <a:ext cx="7315200" cy="1098439"/>
           </a:xfrm>
         </p:spPr>
         <p:txBody>
@@ -2195,9 +2204,7 @@
               <a:buNone/>
               <a:defRPr sz="2000">
                 <a:solidFill>
-                  <a:schemeClr val="tx1">
-                    <a:tint val="75000"/>
-                  </a:schemeClr>
+                  <a:schemeClr val="tx1"/>
                 </a:solidFill>
               </a:defRPr>
             </a:lvl1pPr>
@@ -2306,8 +2313,9 @@
           <a:bodyPr/>
           <a:lstStyle/>
           <a:p>
-            <a:fld id="{FFC0ABEC-A5E7-2846-9677-E4022DE8328A}" type="datetimeFigureOut">
+            <a:fld id="{64DDAE5B-B07C-441A-8026-C23A427A74DC}" type="datetime1">
               <a:rPr lang="en-US" smtClean="0"/>
+              <a:pPr/>
               <a:t>18/11/16</a:t>
             </a:fld>
             <a:endParaRPr lang="en-US"/>
@@ -2348,8 +2356,9 @@
           <a:bodyPr/>
           <a:lstStyle/>
           <a:p>
-            <a:fld id="{A112122E-314F-6441-BB3F-70C15744DE39}" type="slidenum">
+            <a:fld id="{AC5B1FEA-406A-7749-A5C3-DDCB5F67A4CE}" type="slidenum">
               <a:rPr lang="en-US" smtClean="0"/>
+              <a:pPr/>
               <a:t>‹#›</a:t>
             </a:fld>
             <a:endParaRPr lang="en-US"/>
@@ -2357,11 +2366,6 @@
         </p:txBody>
       </p:sp>
     </p:spTree>
-    <p:extLst>
-      <p:ext uri="{BB962C8B-B14F-4D97-AF65-F5344CB8AC3E}">
-        <p14:creationId xmlns:p14="http://schemas.microsoft.com/office/powerpoint/2010/main" val="1279333090"/>
-      </p:ext>
-    </p:extLst>
   </p:cSld>
   <p:clrMapOvr>
     <a:masterClrMapping/>
@@ -2388,199 +2392,6 @@
       </p:grpSpPr>
       <p:sp>
         <p:nvSpPr>
-          <p:cNvPr id="2" name="Title 1"/>
-          <p:cNvSpPr>
-            <a:spLocks noGrp="1"/>
-          </p:cNvSpPr>
-          <p:nvPr>
-            <p:ph type="title"/>
-          </p:nvPr>
-        </p:nvSpPr>
-        <p:spPr/>
-        <p:txBody>
-          <a:bodyPr/>
-          <a:lstStyle/>
-          <a:p>
-            <a:r>
-              <a:rPr lang="en-GB" smtClean="0"/>
-              <a:t>Click to edit Master title style</a:t>
-            </a:r>
-            <a:endParaRPr lang="en-US"/>
-          </a:p>
-        </p:txBody>
-      </p:sp>
-      <p:sp>
-        <p:nvSpPr>
-          <p:cNvPr id="3" name="Content Placeholder 2"/>
-          <p:cNvSpPr>
-            <a:spLocks noGrp="1"/>
-          </p:cNvSpPr>
-          <p:nvPr>
-            <p:ph sz="half" idx="1"/>
-          </p:nvPr>
-        </p:nvSpPr>
-        <p:spPr>
-          <a:xfrm>
-            <a:off x="457200" y="1600200"/>
-            <a:ext cx="4038600" cy="4525963"/>
-          </a:xfrm>
-        </p:spPr>
-        <p:txBody>
-          <a:bodyPr/>
-          <a:lstStyle>
-            <a:lvl1pPr>
-              <a:defRPr sz="2800"/>
-            </a:lvl1pPr>
-            <a:lvl2pPr>
-              <a:defRPr sz="2400"/>
-            </a:lvl2pPr>
-            <a:lvl3pPr>
-              <a:defRPr sz="2000"/>
-            </a:lvl3pPr>
-            <a:lvl4pPr>
-              <a:defRPr sz="1800"/>
-            </a:lvl4pPr>
-            <a:lvl5pPr>
-              <a:defRPr sz="1800"/>
-            </a:lvl5pPr>
-            <a:lvl6pPr>
-              <a:defRPr sz="1800"/>
-            </a:lvl6pPr>
-            <a:lvl7pPr>
-              <a:defRPr sz="1800"/>
-            </a:lvl7pPr>
-            <a:lvl8pPr>
-              <a:defRPr sz="1800"/>
-            </a:lvl8pPr>
-            <a:lvl9pPr>
-              <a:defRPr sz="1800"/>
-            </a:lvl9pPr>
-          </a:lstStyle>
-          <a:p>
-            <a:pPr lvl="0"/>
-            <a:r>
-              <a:rPr lang="en-GB" smtClean="0"/>
-              <a:t>Click to edit Master text styles</a:t>
-            </a:r>
-          </a:p>
-          <a:p>
-            <a:pPr lvl="1"/>
-            <a:r>
-              <a:rPr lang="en-GB" smtClean="0"/>
-              <a:t>Second level</a:t>
-            </a:r>
-          </a:p>
-          <a:p>
-            <a:pPr lvl="2"/>
-            <a:r>
-              <a:rPr lang="en-GB" smtClean="0"/>
-              <a:t>Third level</a:t>
-            </a:r>
-          </a:p>
-          <a:p>
-            <a:pPr lvl="3"/>
-            <a:r>
-              <a:rPr lang="en-GB" smtClean="0"/>
-              <a:t>Fourth level</a:t>
-            </a:r>
-          </a:p>
-          <a:p>
-            <a:pPr lvl="4"/>
-            <a:r>
-              <a:rPr lang="en-GB" smtClean="0"/>
-              <a:t>Fifth level</a:t>
-            </a:r>
-            <a:endParaRPr lang="en-US"/>
-          </a:p>
-        </p:txBody>
-      </p:sp>
-      <p:sp>
-        <p:nvSpPr>
-          <p:cNvPr id="4" name="Content Placeholder 3"/>
-          <p:cNvSpPr>
-            <a:spLocks noGrp="1"/>
-          </p:cNvSpPr>
-          <p:nvPr>
-            <p:ph sz="half" idx="2"/>
-          </p:nvPr>
-        </p:nvSpPr>
-        <p:spPr>
-          <a:xfrm>
-            <a:off x="4648200" y="1600200"/>
-            <a:ext cx="4038600" cy="4525963"/>
-          </a:xfrm>
-        </p:spPr>
-        <p:txBody>
-          <a:bodyPr/>
-          <a:lstStyle>
-            <a:lvl1pPr>
-              <a:defRPr sz="2800"/>
-            </a:lvl1pPr>
-            <a:lvl2pPr>
-              <a:defRPr sz="2400"/>
-            </a:lvl2pPr>
-            <a:lvl3pPr>
-              <a:defRPr sz="2000"/>
-            </a:lvl3pPr>
-            <a:lvl4pPr>
-              <a:defRPr sz="1800"/>
-            </a:lvl4pPr>
-            <a:lvl5pPr>
-              <a:defRPr sz="1800"/>
-            </a:lvl5pPr>
-            <a:lvl6pPr>
-              <a:defRPr sz="1800"/>
-            </a:lvl6pPr>
-            <a:lvl7pPr>
-              <a:defRPr sz="1800"/>
-            </a:lvl7pPr>
-            <a:lvl8pPr>
-              <a:defRPr sz="1800"/>
-            </a:lvl8pPr>
-            <a:lvl9pPr>
-              <a:defRPr sz="1800"/>
-            </a:lvl9pPr>
-          </a:lstStyle>
-          <a:p>
-            <a:pPr lvl="0"/>
-            <a:r>
-              <a:rPr lang="en-GB" smtClean="0"/>
-              <a:t>Click to edit Master text styles</a:t>
-            </a:r>
-          </a:p>
-          <a:p>
-            <a:pPr lvl="1"/>
-            <a:r>
-              <a:rPr lang="en-GB" smtClean="0"/>
-              <a:t>Second level</a:t>
-            </a:r>
-          </a:p>
-          <a:p>
-            <a:pPr lvl="2"/>
-            <a:r>
-              <a:rPr lang="en-GB" smtClean="0"/>
-              <a:t>Third level</a:t>
-            </a:r>
-          </a:p>
-          <a:p>
-            <a:pPr lvl="3"/>
-            <a:r>
-              <a:rPr lang="en-GB" smtClean="0"/>
-              <a:t>Fourth level</a:t>
-            </a:r>
-          </a:p>
-          <a:p>
-            <a:pPr lvl="4"/>
-            <a:r>
-              <a:rPr lang="en-GB" smtClean="0"/>
-              <a:t>Fifth level</a:t>
-            </a:r>
-            <a:endParaRPr lang="en-US"/>
-          </a:p>
-        </p:txBody>
-      </p:sp>
-      <p:sp>
-        <p:nvSpPr>
           <p:cNvPr id="5" name="Date Placeholder 4"/>
           <p:cNvSpPr>
             <a:spLocks noGrp="1"/>
@@ -2644,12 +2455,149 @@
           </a:p>
         </p:txBody>
       </p:sp>
+      <p:sp>
+        <p:nvSpPr>
+          <p:cNvPr id="9" name="Title 8"/>
+          <p:cNvSpPr>
+            <a:spLocks noGrp="1"/>
+          </p:cNvSpPr>
+          <p:nvPr>
+            <p:ph type="title"/>
+          </p:nvPr>
+        </p:nvSpPr>
+        <p:spPr>
+          <a:xfrm>
+            <a:off x="914400" y="1544715"/>
+            <a:ext cx="7315200" cy="1154097"/>
+          </a:xfrm>
+        </p:spPr>
+        <p:txBody>
+          <a:bodyPr/>
+          <a:lstStyle/>
+          <a:p>
+            <a:r>
+              <a:rPr lang="en-GB" smtClean="0"/>
+              <a:t>Click to edit Master title style</a:t>
+            </a:r>
+            <a:endParaRPr lang="en-US"/>
+          </a:p>
+        </p:txBody>
+      </p:sp>
+      <p:sp>
+        <p:nvSpPr>
+          <p:cNvPr id="8" name="Content Placeholder 7"/>
+          <p:cNvSpPr>
+            <a:spLocks noGrp="1"/>
+          </p:cNvSpPr>
+          <p:nvPr>
+            <p:ph sz="quarter" idx="13"/>
+          </p:nvPr>
+        </p:nvSpPr>
+        <p:spPr>
+          <a:xfrm>
+            <a:off x="914400" y="2743200"/>
+            <a:ext cx="3566160" cy="3593592"/>
+          </a:xfrm>
+        </p:spPr>
+        <p:txBody>
+          <a:bodyPr/>
+          <a:lstStyle/>
+          <a:p>
+            <a:pPr lvl="0"/>
+            <a:r>
+              <a:rPr lang="en-GB" smtClean="0"/>
+              <a:t>Click to edit Master text styles</a:t>
+            </a:r>
+          </a:p>
+          <a:p>
+            <a:pPr lvl="1"/>
+            <a:r>
+              <a:rPr lang="en-GB" smtClean="0"/>
+              <a:t>Second level</a:t>
+            </a:r>
+          </a:p>
+          <a:p>
+            <a:pPr lvl="2"/>
+            <a:r>
+              <a:rPr lang="en-GB" smtClean="0"/>
+              <a:t>Third level</a:t>
+            </a:r>
+          </a:p>
+          <a:p>
+            <a:pPr lvl="3"/>
+            <a:r>
+              <a:rPr lang="en-GB" smtClean="0"/>
+              <a:t>Fourth level</a:t>
+            </a:r>
+          </a:p>
+          <a:p>
+            <a:pPr lvl="4"/>
+            <a:r>
+              <a:rPr lang="en-GB" smtClean="0"/>
+              <a:t>Fifth level</a:t>
+            </a:r>
+            <a:endParaRPr lang="en-US"/>
+          </a:p>
+        </p:txBody>
+      </p:sp>
+      <p:sp>
+        <p:nvSpPr>
+          <p:cNvPr id="11" name="Content Placeholder 10"/>
+          <p:cNvSpPr>
+            <a:spLocks noGrp="1"/>
+          </p:cNvSpPr>
+          <p:nvPr>
+            <p:ph sz="quarter" idx="14"/>
+          </p:nvPr>
+        </p:nvSpPr>
+        <p:spPr>
+          <a:xfrm>
+            <a:off x="4681728" y="2743200"/>
+            <a:ext cx="3566160" cy="3595687"/>
+          </a:xfrm>
+        </p:spPr>
+        <p:txBody>
+          <a:bodyPr/>
+          <a:lstStyle/>
+          <a:p>
+            <a:pPr lvl="0"/>
+            <a:r>
+              <a:rPr lang="en-GB" smtClean="0"/>
+              <a:t>Click to edit Master text styles</a:t>
+            </a:r>
+          </a:p>
+          <a:p>
+            <a:pPr lvl="1"/>
+            <a:r>
+              <a:rPr lang="en-GB" smtClean="0"/>
+              <a:t>Second level</a:t>
+            </a:r>
+          </a:p>
+          <a:p>
+            <a:pPr lvl="2"/>
+            <a:r>
+              <a:rPr lang="en-GB" smtClean="0"/>
+              <a:t>Third level</a:t>
+            </a:r>
+          </a:p>
+          <a:p>
+            <a:pPr lvl="3"/>
+            <a:r>
+              <a:rPr lang="en-GB" smtClean="0"/>
+              <a:t>Fourth level</a:t>
+            </a:r>
+          </a:p>
+          <a:p>
+            <a:pPr lvl="4"/>
+            <a:r>
+              <a:rPr lang="en-GB" smtClean="0"/>
+              <a:t>Fifth level</a:t>
+            </a:r>
+            <a:endParaRPr lang="en-US"/>
+          </a:p>
+        </p:txBody>
+      </p:sp>
     </p:spTree>
-    <p:extLst>
-      <p:ext uri="{BB962C8B-B14F-4D97-AF65-F5344CB8AC3E}">
-        <p14:creationId xmlns:p14="http://schemas.microsoft.com/office/powerpoint/2010/main" val="3421207677"/>
-      </p:ext>
-    </p:extLst>
   </p:cSld>
   <p:clrMapOvr>
     <a:masterClrMapping/>
@@ -2676,33 +2624,6 @@
       </p:grpSpPr>
       <p:sp>
         <p:nvSpPr>
-          <p:cNvPr id="2" name="Title 1"/>
-          <p:cNvSpPr>
-            <a:spLocks noGrp="1"/>
-          </p:cNvSpPr>
-          <p:nvPr>
-            <p:ph type="title"/>
-          </p:nvPr>
-        </p:nvSpPr>
-        <p:spPr/>
-        <p:txBody>
-          <a:bodyPr/>
-          <a:lstStyle>
-            <a:lvl1pPr>
-              <a:defRPr/>
-            </a:lvl1pPr>
-          </a:lstStyle>
-          <a:p>
-            <a:r>
-              <a:rPr lang="en-GB" smtClean="0"/>
-              <a:t>Click to edit Master title style</a:t>
-            </a:r>
-            <a:endParaRPr lang="en-US"/>
-          </a:p>
-        </p:txBody>
-      </p:sp>
-      <p:sp>
-        <p:nvSpPr>
           <p:cNvPr id="3" name="Text Placeholder 2"/>
           <p:cNvSpPr>
             <a:spLocks noGrp="1"/>
@@ -2713,16 +2634,22 @@
         </p:nvSpPr>
         <p:spPr>
           <a:xfrm>
-            <a:off x="457200" y="1535113"/>
-            <a:ext cx="4040188" cy="639762"/>
+            <a:off x="1116348" y="2743200"/>
+            <a:ext cx="3364992" cy="621792"/>
           </a:xfrm>
         </p:spPr>
         <p:txBody>
-          <a:bodyPr anchor="b"/>
+          <a:bodyPr anchor="b">
+            <a:noAutofit/>
+          </a:bodyPr>
           <a:lstStyle>
             <a:lvl1pPr marL="0" indent="0">
               <a:buNone/>
-              <a:defRPr sz="2400" b="1"/>
+              <a:defRPr sz="2000" b="1">
+                <a:solidFill>
+                  <a:schemeClr val="tx2"/>
+                </a:solidFill>
+              </a:defRPr>
             </a:lvl1pPr>
             <a:lvl2pPr marL="457200" indent="0">
               <a:buNone/>
@@ -2768,111 +2695,32 @@
       </p:sp>
       <p:sp>
         <p:nvSpPr>
-          <p:cNvPr id="4" name="Content Placeholder 3"/>
-          <p:cNvSpPr>
-            <a:spLocks noGrp="1"/>
-          </p:cNvSpPr>
-          <p:nvPr>
-            <p:ph sz="half" idx="2"/>
+          <p:cNvPr id="5" name="Text Placeholder 4"/>
+          <p:cNvSpPr>
+            <a:spLocks noGrp="1"/>
+          </p:cNvSpPr>
+          <p:nvPr>
+            <p:ph type="body" sz="quarter" idx="3"/>
           </p:nvPr>
         </p:nvSpPr>
         <p:spPr>
           <a:xfrm>
-            <a:off x="457200" y="2174875"/>
-            <a:ext cx="4040188" cy="3951288"/>
+            <a:off x="4885144" y="2743200"/>
+            <a:ext cx="3362062" cy="621792"/>
           </a:xfrm>
         </p:spPr>
         <p:txBody>
-          <a:bodyPr/>
-          <a:lstStyle>
-            <a:lvl1pPr>
-              <a:defRPr sz="2400"/>
-            </a:lvl1pPr>
-            <a:lvl2pPr>
-              <a:defRPr sz="2000"/>
-            </a:lvl2pPr>
-            <a:lvl3pPr>
-              <a:defRPr sz="1800"/>
-            </a:lvl3pPr>
-            <a:lvl4pPr>
-              <a:defRPr sz="1600"/>
-            </a:lvl4pPr>
-            <a:lvl5pPr>
-              <a:defRPr sz="1600"/>
-            </a:lvl5pPr>
-            <a:lvl6pPr>
-              <a:defRPr sz="1600"/>
-            </a:lvl6pPr>
-            <a:lvl7pPr>
-              <a:defRPr sz="1600"/>
-            </a:lvl7pPr>
-            <a:lvl8pPr>
-              <a:defRPr sz="1600"/>
-            </a:lvl8pPr>
-            <a:lvl9pPr>
-              <a:defRPr sz="1600"/>
-            </a:lvl9pPr>
-          </a:lstStyle>
-          <a:p>
-            <a:pPr lvl="0"/>
-            <a:r>
-              <a:rPr lang="en-GB" smtClean="0"/>
-              <a:t>Click to edit Master text styles</a:t>
-            </a:r>
-          </a:p>
-          <a:p>
-            <a:pPr lvl="1"/>
-            <a:r>
-              <a:rPr lang="en-GB" smtClean="0"/>
-              <a:t>Second level</a:t>
-            </a:r>
-          </a:p>
-          <a:p>
-            <a:pPr lvl="2"/>
-            <a:r>
-              <a:rPr lang="en-GB" smtClean="0"/>
-              <a:t>Third level</a:t>
-            </a:r>
-          </a:p>
-          <a:p>
-            <a:pPr lvl="3"/>
-            <a:r>
-              <a:rPr lang="en-GB" smtClean="0"/>
-              <a:t>Fourth level</a:t>
-            </a:r>
-          </a:p>
-          <a:p>
-            <a:pPr lvl="4"/>
-            <a:r>
-              <a:rPr lang="en-GB" smtClean="0"/>
-              <a:t>Fifth level</a:t>
-            </a:r>
-            <a:endParaRPr lang="en-US"/>
-          </a:p>
-        </p:txBody>
-      </p:sp>
-      <p:sp>
-        <p:nvSpPr>
-          <p:cNvPr id="5" name="Text Placeholder 4"/>
-          <p:cNvSpPr>
-            <a:spLocks noGrp="1"/>
-          </p:cNvSpPr>
-          <p:nvPr>
-            <p:ph type="body" sz="quarter" idx="3"/>
-          </p:nvPr>
-        </p:nvSpPr>
-        <p:spPr>
-          <a:xfrm>
-            <a:off x="4645025" y="1535113"/>
-            <a:ext cx="4041775" cy="639762"/>
-          </a:xfrm>
-        </p:spPr>
-        <p:txBody>
-          <a:bodyPr anchor="b"/>
+          <a:bodyPr anchor="b">
+            <a:noAutofit/>
+          </a:bodyPr>
           <a:lstStyle>
             <a:lvl1pPr marL="0" indent="0">
               <a:buNone/>
-              <a:defRPr sz="2400" b="1"/>
+              <a:defRPr sz="2000" b="1">
+                <a:solidFill>
+                  <a:schemeClr val="tx2"/>
+                </a:solidFill>
+              </a:defRPr>
             </a:lvl1pPr>
             <a:lvl2pPr marL="457200" indent="0">
               <a:buNone/>
@@ -2913,91 +2761,6 @@
               <a:rPr lang="en-GB" smtClean="0"/>
               <a:t>Click to edit Master text styles</a:t>
             </a:r>
-          </a:p>
-        </p:txBody>
-      </p:sp>
-      <p:sp>
-        <p:nvSpPr>
-          <p:cNvPr id="6" name="Content Placeholder 5"/>
-          <p:cNvSpPr>
-            <a:spLocks noGrp="1"/>
-          </p:cNvSpPr>
-          <p:nvPr>
-            <p:ph sz="quarter" idx="4"/>
-          </p:nvPr>
-        </p:nvSpPr>
-        <p:spPr>
-          <a:xfrm>
-            <a:off x="4645025" y="2174875"/>
-            <a:ext cx="4041775" cy="3951288"/>
-          </a:xfrm>
-        </p:spPr>
-        <p:txBody>
-          <a:bodyPr/>
-          <a:lstStyle>
-            <a:lvl1pPr>
-              <a:defRPr sz="2400"/>
-            </a:lvl1pPr>
-            <a:lvl2pPr>
-              <a:defRPr sz="2000"/>
-            </a:lvl2pPr>
-            <a:lvl3pPr>
-              <a:defRPr sz="1800"/>
-            </a:lvl3pPr>
-            <a:lvl4pPr>
-              <a:defRPr sz="1600"/>
-            </a:lvl4pPr>
-            <a:lvl5pPr>
-              <a:defRPr sz="1600"/>
-            </a:lvl5pPr>
-            <a:lvl6pPr>
-              <a:defRPr sz="1600"/>
-            </a:lvl6pPr>
-            <a:lvl7pPr>
-              <a:defRPr sz="1600"/>
-            </a:lvl7pPr>
-            <a:lvl8pPr>
-              <a:defRPr sz="1600"/>
-            </a:lvl8pPr>
-            <a:lvl9pPr>
-              <a:defRPr sz="1600"/>
-            </a:lvl9pPr>
-          </a:lstStyle>
-          <a:p>
-            <a:pPr lvl="0"/>
-            <a:r>
-              <a:rPr lang="en-GB" smtClean="0"/>
-              <a:t>Click to edit Master text styles</a:t>
-            </a:r>
-          </a:p>
-          <a:p>
-            <a:pPr lvl="1"/>
-            <a:r>
-              <a:rPr lang="en-GB" smtClean="0"/>
-              <a:t>Second level</a:t>
-            </a:r>
-          </a:p>
-          <a:p>
-            <a:pPr lvl="2"/>
-            <a:r>
-              <a:rPr lang="en-GB" smtClean="0"/>
-              <a:t>Third level</a:t>
-            </a:r>
-          </a:p>
-          <a:p>
-            <a:pPr lvl="3"/>
-            <a:r>
-              <a:rPr lang="en-GB" smtClean="0"/>
-              <a:t>Fourth level</a:t>
-            </a:r>
-          </a:p>
-          <a:p>
-            <a:pPr lvl="4"/>
-            <a:r>
-              <a:rPr lang="en-GB" smtClean="0"/>
-              <a:t>Fifth level</a:t>
-            </a:r>
-            <a:endParaRPr lang="en-US"/>
           </a:p>
         </p:txBody>
       </p:sp>
@@ -3066,12 +2829,149 @@
           </a:p>
         </p:txBody>
       </p:sp>
+      <p:sp>
+        <p:nvSpPr>
+          <p:cNvPr id="10" name="Title 9"/>
+          <p:cNvSpPr>
+            <a:spLocks noGrp="1"/>
+          </p:cNvSpPr>
+          <p:nvPr>
+            <p:ph type="title"/>
+          </p:nvPr>
+        </p:nvSpPr>
+        <p:spPr>
+          <a:xfrm>
+            <a:off x="914400" y="1544715"/>
+            <a:ext cx="7315200" cy="1154097"/>
+          </a:xfrm>
+        </p:spPr>
+        <p:txBody>
+          <a:bodyPr/>
+          <a:lstStyle/>
+          <a:p>
+            <a:r>
+              <a:rPr lang="en-GB" smtClean="0"/>
+              <a:t>Click to edit Master title style</a:t>
+            </a:r>
+            <a:endParaRPr lang="en-US" dirty="0"/>
+          </a:p>
+        </p:txBody>
+      </p:sp>
+      <p:sp>
+        <p:nvSpPr>
+          <p:cNvPr id="11" name="Content Placeholder 10"/>
+          <p:cNvSpPr>
+            <a:spLocks noGrp="1"/>
+          </p:cNvSpPr>
+          <p:nvPr>
+            <p:ph sz="quarter" idx="13"/>
+          </p:nvPr>
+        </p:nvSpPr>
+        <p:spPr>
+          <a:xfrm>
+            <a:off x="914400" y="3383280"/>
+            <a:ext cx="3566160" cy="2953512"/>
+          </a:xfrm>
+        </p:spPr>
+        <p:txBody>
+          <a:bodyPr/>
+          <a:lstStyle/>
+          <a:p>
+            <a:pPr lvl="0"/>
+            <a:r>
+              <a:rPr lang="en-GB" smtClean="0"/>
+              <a:t>Click to edit Master text styles</a:t>
+            </a:r>
+          </a:p>
+          <a:p>
+            <a:pPr lvl="1"/>
+            <a:r>
+              <a:rPr lang="en-GB" smtClean="0"/>
+              <a:t>Second level</a:t>
+            </a:r>
+          </a:p>
+          <a:p>
+            <a:pPr lvl="2"/>
+            <a:r>
+              <a:rPr lang="en-GB" smtClean="0"/>
+              <a:t>Third level</a:t>
+            </a:r>
+          </a:p>
+          <a:p>
+            <a:pPr lvl="3"/>
+            <a:r>
+              <a:rPr lang="en-GB" smtClean="0"/>
+              <a:t>Fourth level</a:t>
+            </a:r>
+          </a:p>
+          <a:p>
+            <a:pPr lvl="4"/>
+            <a:r>
+              <a:rPr lang="en-GB" smtClean="0"/>
+              <a:t>Fifth level</a:t>
+            </a:r>
+            <a:endParaRPr lang="en-US" dirty="0"/>
+          </a:p>
+        </p:txBody>
+      </p:sp>
+      <p:sp>
+        <p:nvSpPr>
+          <p:cNvPr id="13" name="Content Placeholder 12"/>
+          <p:cNvSpPr>
+            <a:spLocks noGrp="1"/>
+          </p:cNvSpPr>
+          <p:nvPr>
+            <p:ph sz="quarter" idx="14"/>
+          </p:nvPr>
+        </p:nvSpPr>
+        <p:spPr>
+          <a:xfrm>
+            <a:off x="4681727" y="3383280"/>
+            <a:ext cx="3566160" cy="2953512"/>
+          </a:xfrm>
+        </p:spPr>
+        <p:txBody>
+          <a:bodyPr/>
+          <a:lstStyle/>
+          <a:p>
+            <a:pPr lvl="0"/>
+            <a:r>
+              <a:rPr lang="en-GB" smtClean="0"/>
+              <a:t>Click to edit Master text styles</a:t>
+            </a:r>
+          </a:p>
+          <a:p>
+            <a:pPr lvl="1"/>
+            <a:r>
+              <a:rPr lang="en-GB" smtClean="0"/>
+              <a:t>Second level</a:t>
+            </a:r>
+          </a:p>
+          <a:p>
+            <a:pPr lvl="2"/>
+            <a:r>
+              <a:rPr lang="en-GB" smtClean="0"/>
+              <a:t>Third level</a:t>
+            </a:r>
+          </a:p>
+          <a:p>
+            <a:pPr lvl="3"/>
+            <a:r>
+              <a:rPr lang="en-GB" smtClean="0"/>
+              <a:t>Fourth level</a:t>
+            </a:r>
+          </a:p>
+          <a:p>
+            <a:pPr lvl="4"/>
+            <a:r>
+              <a:rPr lang="en-GB" smtClean="0"/>
+              <a:t>Fifth level</a:t>
+            </a:r>
+            <a:endParaRPr lang="en-US" dirty="0"/>
+          </a:p>
+        </p:txBody>
+      </p:sp>
     </p:spTree>
-    <p:extLst>
-      <p:ext uri="{BB962C8B-B14F-4D97-AF65-F5344CB8AC3E}">
-        <p14:creationId xmlns:p14="http://schemas.microsoft.com/office/powerpoint/2010/main" val="4074789928"/>
-      </p:ext>
-    </p:extLst>
   </p:cSld>
   <p:clrMapOvr>
     <a:masterClrMapping/>
@@ -3185,11 +3085,6 @@
         </p:txBody>
       </p:sp>
     </p:spTree>
-    <p:extLst>
-      <p:ext uri="{BB962C8B-B14F-4D97-AF65-F5344CB8AC3E}">
-        <p14:creationId xmlns:p14="http://schemas.microsoft.com/office/powerpoint/2010/main" val="3036676609"/>
-      </p:ext>
-    </p:extLst>
   </p:cSld>
   <p:clrMapOvr>
     <a:masterClrMapping/>
@@ -3280,11 +3175,6 @@
         </p:txBody>
       </p:sp>
     </p:spTree>
-    <p:extLst>
-      <p:ext uri="{BB962C8B-B14F-4D97-AF65-F5344CB8AC3E}">
-        <p14:creationId xmlns:p14="http://schemas.microsoft.com/office/powerpoint/2010/main" val="2709381041"/>
-      </p:ext>
-    </p:extLst>
   </p:cSld>
   <p:clrMapOvr>
     <a:masterClrMapping/>
@@ -3321,15 +3211,17 @@
         </p:nvSpPr>
         <p:spPr>
           <a:xfrm>
-            <a:off x="457200" y="273050"/>
-            <a:ext cx="3008313" cy="1162050"/>
+            <a:off x="914400" y="1825362"/>
+            <a:ext cx="2950936" cy="2173015"/>
           </a:xfrm>
         </p:spPr>
         <p:txBody>
-          <a:bodyPr anchor="b"/>
+          <a:bodyPr anchor="b">
+            <a:normAutofit/>
+          </a:bodyPr>
           <a:lstStyle>
             <a:lvl1pPr algn="l">
-              <a:defRPr sz="2000" b="1"/>
+              <a:defRPr sz="2800" b="0"/>
             </a:lvl1pPr>
           </a:lstStyle>
           <a:p>
@@ -3337,7 +3229,7 @@
               <a:rPr lang="en-GB" smtClean="0"/>
               <a:t>Click to edit Master title style</a:t>
             </a:r>
-            <a:endParaRPr lang="en-US"/>
+            <a:endParaRPr lang="en-US" dirty="0"/>
           </a:p>
         </p:txBody>
       </p:sp>
@@ -3353,27 +3245,27 @@
         </p:nvSpPr>
         <p:spPr>
           <a:xfrm>
-            <a:off x="3575050" y="273050"/>
-            <a:ext cx="5111750" cy="5853113"/>
+            <a:off x="4021752" y="1826709"/>
+            <a:ext cx="4207848" cy="4476614"/>
           </a:xfrm>
         </p:spPr>
         <p:txBody>
-          <a:bodyPr/>
+          <a:bodyPr anchor="ctr"/>
           <a:lstStyle>
             <a:lvl1pPr>
-              <a:defRPr sz="3200"/>
+              <a:defRPr sz="2000"/>
             </a:lvl1pPr>
             <a:lvl2pPr>
-              <a:defRPr sz="2800"/>
+              <a:defRPr sz="1800"/>
             </a:lvl2pPr>
             <a:lvl3pPr>
-              <a:defRPr sz="2400"/>
+              <a:defRPr sz="1600"/>
             </a:lvl3pPr>
             <a:lvl4pPr>
-              <a:defRPr sz="2000"/>
+              <a:defRPr sz="1400"/>
             </a:lvl4pPr>
             <a:lvl5pPr>
-              <a:defRPr sz="2000"/>
+              <a:defRPr sz="1400"/>
             </a:lvl5pPr>
             <a:lvl6pPr>
               <a:defRPr sz="2000"/>
@@ -3422,7 +3314,7 @@
               <a:rPr lang="en-GB" smtClean="0"/>
               <a:t>Fifth level</a:t>
             </a:r>
-            <a:endParaRPr lang="en-US"/>
+            <a:endParaRPr lang="en-US" dirty="0"/>
           </a:p>
         </p:txBody>
       </p:sp>
@@ -3438,8 +3330,8 @@
         </p:nvSpPr>
         <p:spPr>
           <a:xfrm>
-            <a:off x="457200" y="1435100"/>
-            <a:ext cx="3008313" cy="4691063"/>
+            <a:off x="914400" y="4061095"/>
+            <a:ext cx="2950936" cy="2245387"/>
           </a:xfrm>
         </p:spPr>
         <p:txBody>
@@ -3548,7 +3440,7 @@
           <a:bodyPr/>
           <a:lstStyle/>
           <a:p>
-            <a:fld id="{A112122E-314F-6441-BB3F-70C15744DE39}" type="slidenum">
+            <a:fld id="{0FB56013-B943-42BA-886F-6F9D4EB85E9D}" type="slidenum">
               <a:rPr lang="en-US" smtClean="0"/>
               <a:t>‹#›</a:t>
             </a:fld>
@@ -3557,11 +3449,6 @@
         </p:txBody>
       </p:sp>
     </p:spTree>
-    <p:extLst>
-      <p:ext uri="{BB962C8B-B14F-4D97-AF65-F5344CB8AC3E}">
-        <p14:creationId xmlns:p14="http://schemas.microsoft.com/office/powerpoint/2010/main" val="519519297"/>
-      </p:ext>
-    </p:extLst>
   </p:cSld>
   <p:clrMapOvr>
     <a:masterClrMapping/>
@@ -3598,15 +3485,17 @@
         </p:nvSpPr>
         <p:spPr>
           <a:xfrm>
-            <a:off x="1792288" y="4800600"/>
-            <a:ext cx="5486400" cy="566738"/>
+            <a:off x="914400" y="1828800"/>
+            <a:ext cx="2953512" cy="2176272"/>
           </a:xfrm>
         </p:spPr>
         <p:txBody>
-          <a:bodyPr anchor="b"/>
+          <a:bodyPr anchor="b">
+            <a:normAutofit/>
+          </a:bodyPr>
           <a:lstStyle>
             <a:lvl1pPr algn="l">
-              <a:defRPr sz="2000" b="1"/>
+              <a:defRPr sz="2800" b="0"/>
             </a:lvl1pPr>
           </a:lstStyle>
           <a:p>
@@ -3614,7 +3503,7 @@
               <a:rPr lang="en-GB" smtClean="0"/>
               <a:t>Click to edit Master title style</a:t>
             </a:r>
-            <a:endParaRPr lang="en-US"/>
+            <a:endParaRPr lang="en-US" dirty="0"/>
           </a:p>
         </p:txBody>
       </p:sp>
@@ -3630,9 +3519,27 @@
         </p:nvSpPr>
         <p:spPr>
           <a:xfrm>
-            <a:off x="1792288" y="612775"/>
-            <a:ext cx="5486400" cy="4114800"/>
+            <a:off x="4191000" y="2286000"/>
+            <a:ext cx="4038600" cy="3352800"/>
           </a:xfrm>
+          <a:solidFill>
+            <a:schemeClr val="accent2"/>
+          </a:solidFill>
+          <a:ln w="12700">
+            <a:noFill/>
+          </a:ln>
+          <a:effectLst>
+            <a:reflection blurRad="12700" stA="30000" endPos="30000" dist="31750" dir="5400000" sy="-100000" algn="bl" rotWithShape="0"/>
+          </a:effectLst>
+          <a:scene3d>
+            <a:camera prst="perspectiveRight" fov="2700000">
+              <a:rot lat="240000" lon="900000" rev="0"/>
+            </a:camera>
+            <a:lightRig rig="threePt" dir="t">
+              <a:rot lat="0" lon="0" rev="2700000"/>
+            </a:lightRig>
+          </a:scene3d>
+          <a:sp3d/>
         </p:spPr>
         <p:txBody>
           <a:bodyPr/>
@@ -3675,7 +3582,11 @@
             </a:lvl9pPr>
           </a:lstStyle>
           <a:p>
-            <a:endParaRPr lang="en-US"/>
+            <a:r>
+              <a:rPr lang="en-GB" smtClean="0"/>
+              <a:t>Drag picture to placeholder or click icon to add</a:t>
+            </a:r>
+            <a:endParaRPr lang="en-US" dirty="0"/>
           </a:p>
         </p:txBody>
       </p:sp>
@@ -3691,8 +3602,8 @@
         </p:nvSpPr>
         <p:spPr>
           <a:xfrm>
-            <a:off x="1792288" y="5367338"/>
-            <a:ext cx="5486400" cy="804862"/>
+            <a:off x="914400" y="4059936"/>
+            <a:ext cx="2953512" cy="2249424"/>
           </a:xfrm>
         </p:spPr>
         <p:txBody>
@@ -3810,11 +3721,6 @@
         </p:txBody>
       </p:sp>
     </p:spTree>
-    <p:extLst>
-      <p:ext uri="{BB962C8B-B14F-4D97-AF65-F5344CB8AC3E}">
-        <p14:creationId xmlns:p14="http://schemas.microsoft.com/office/powerpoint/2010/main" val="1732484124"/>
-      </p:ext>
-    </p:extLst>
   </p:cSld>
   <p:clrMapOvr>
     <a:masterClrMapping/>
@@ -3826,8 +3732,8 @@
 <p:sldMaster xmlns:a="http://schemas.openxmlformats.org/drawingml/2006/main" xmlns:r="http://schemas.openxmlformats.org/officeDocument/2006/relationships" xmlns:p="http://schemas.openxmlformats.org/presentationml/2006/main">
   <p:cSld>
     <p:bg>
-      <p:bgRef idx="1001">
-        <a:schemeClr val="bg1"/>
+      <p:bgRef idx="1002">
+        <a:schemeClr val="bg2"/>
       </p:bgRef>
     </p:bg>
     <p:spTree>
@@ -3846,25 +3752,117 @@
       </p:grpSpPr>
       <p:sp>
         <p:nvSpPr>
-          <p:cNvPr id="2" name="Title Placeholder 1"/>
-          <p:cNvSpPr>
-            <a:spLocks noGrp="1"/>
-          </p:cNvSpPr>
-          <p:nvPr>
-            <p:ph type="title"/>
-          </p:nvPr>
+          <p:cNvPr id="10" name="Rectangle 9"/>
+          <p:cNvSpPr/>
+          <p:nvPr/>
         </p:nvSpPr>
         <p:spPr>
           <a:xfrm>
-            <a:off x="457200" y="274638"/>
-            <a:ext cx="8229600" cy="1143000"/>
+            <a:off x="8435268" y="573807"/>
+            <a:ext cx="86236" cy="572316"/>
+          </a:xfrm>
+          <a:prstGeom prst="rect">
+            <a:avLst/>
+          </a:prstGeom>
+          <a:solidFill>
+            <a:schemeClr val="tx2"/>
+          </a:solidFill>
+          <a:ln>
+            <a:noFill/>
+          </a:ln>
+        </p:spPr>
+        <p:style>
+          <a:lnRef idx="2">
+            <a:schemeClr val="accent1">
+              <a:shade val="50000"/>
+            </a:schemeClr>
+          </a:lnRef>
+          <a:fillRef idx="1">
+            <a:schemeClr val="accent1"/>
+          </a:fillRef>
+          <a:effectRef idx="0">
+            <a:schemeClr val="accent1"/>
+          </a:effectRef>
+          <a:fontRef idx="minor">
+            <a:schemeClr val="lt1"/>
+          </a:fontRef>
+        </p:style>
+        <p:txBody>
+          <a:bodyPr rtlCol="0" anchor="ctr"/>
+          <a:lstStyle/>
+          <a:p>
+            <a:pPr algn="ctr"/>
+            <a:endParaRPr lang="en-US"/>
+          </a:p>
+        </p:txBody>
+      </p:sp>
+      <p:sp>
+        <p:nvSpPr>
+          <p:cNvPr id="11" name="Rectangle 10"/>
+          <p:cNvSpPr/>
+          <p:nvPr/>
+        </p:nvSpPr>
+        <p:spPr>
+          <a:xfrm>
+            <a:off x="8569419" y="573807"/>
+            <a:ext cx="576072" cy="572316"/>
+          </a:xfrm>
+          <a:prstGeom prst="rect">
+            <a:avLst/>
+          </a:prstGeom>
+          <a:solidFill>
+            <a:schemeClr val="tx2"/>
+          </a:solidFill>
+          <a:ln>
+            <a:noFill/>
+          </a:ln>
+        </p:spPr>
+        <p:style>
+          <a:lnRef idx="2">
+            <a:schemeClr val="accent1">
+              <a:shade val="50000"/>
+            </a:schemeClr>
+          </a:lnRef>
+          <a:fillRef idx="1">
+            <a:schemeClr val="accent1"/>
+          </a:fillRef>
+          <a:effectRef idx="0">
+            <a:schemeClr val="accent1"/>
+          </a:effectRef>
+          <a:fontRef idx="minor">
+            <a:schemeClr val="lt1"/>
+          </a:fontRef>
+        </p:style>
+        <p:txBody>
+          <a:bodyPr rtlCol="0" anchor="ctr"/>
+          <a:lstStyle/>
+          <a:p>
+            <a:pPr algn="ctr"/>
+            <a:endParaRPr lang="en-US"/>
+          </a:p>
+        </p:txBody>
+      </p:sp>
+      <p:sp>
+        <p:nvSpPr>
+          <p:cNvPr id="2" name="Title Placeholder 1"/>
+          <p:cNvSpPr>
+            <a:spLocks noGrp="1"/>
+          </p:cNvSpPr>
+          <p:nvPr>
+            <p:ph type="title"/>
+          </p:nvPr>
+        </p:nvSpPr>
+        <p:spPr>
+          <a:xfrm>
+            <a:off x="914400" y="1544715"/>
+            <a:ext cx="7315200" cy="1154097"/>
           </a:xfrm>
           <a:prstGeom prst="rect">
             <a:avLst/>
           </a:prstGeom>
         </p:spPr>
         <p:txBody>
-          <a:bodyPr vert="horz" lIns="91440" tIns="45720" rIns="91440" bIns="45720" rtlCol="0" anchor="ctr">
+          <a:bodyPr vert="horz" lIns="91440" tIns="45720" rIns="91440" bIns="45720" rtlCol="0" anchor="b">
             <a:normAutofit/>
           </a:bodyPr>
           <a:lstStyle/>
@@ -3873,7 +3871,7 @@
               <a:rPr lang="en-GB" smtClean="0"/>
               <a:t>Click to edit Master title style</a:t>
             </a:r>
-            <a:endParaRPr lang="en-US"/>
+            <a:endParaRPr lang="en-US" dirty="0"/>
           </a:p>
         </p:txBody>
       </p:sp>
@@ -3889,8 +3887,8 @@
         </p:nvSpPr>
         <p:spPr>
           <a:xfrm>
-            <a:off x="457200" y="1600200"/>
-            <a:ext cx="8229600" cy="4525963"/>
+            <a:off x="914400" y="2769833"/>
+            <a:ext cx="7315200" cy="3539527"/>
           </a:xfrm>
           <a:prstGeom prst="rect">
             <a:avLst/>
@@ -3935,7 +3933,7 @@
               <a:rPr lang="en-GB" smtClean="0"/>
               <a:t>Fifth level</a:t>
             </a:r>
-            <a:endParaRPr lang="en-US"/>
+            <a:endParaRPr lang="en-US" dirty="0" smtClean="0"/>
           </a:p>
         </p:txBody>
       </p:sp>
@@ -3951,8 +3949,8 @@
         </p:nvSpPr>
         <p:spPr>
           <a:xfrm>
-            <a:off x="457200" y="6356350"/>
-            <a:ext cx="2133600" cy="365125"/>
+            <a:off x="6007690" y="548797"/>
+            <a:ext cx="1189132" cy="297918"/>
           </a:xfrm>
           <a:prstGeom prst="rect">
             <a:avLst/>
@@ -3965,7 +3963,7 @@
               <a:defRPr sz="1200">
                 <a:solidFill>
                   <a:schemeClr val="tx1">
-                    <a:tint val="75000"/>
+                    <a:alpha val="50000"/>
                   </a:schemeClr>
                 </a:solidFill>
               </a:defRPr>
@@ -3982,18 +3980,18 @@
       </p:sp>
       <p:sp>
         <p:nvSpPr>
-          <p:cNvPr id="5" name="Footer Placeholder 4"/>
-          <p:cNvSpPr>
-            <a:spLocks noGrp="1"/>
-          </p:cNvSpPr>
-          <p:nvPr>
-            <p:ph type="ftr" sz="quarter" idx="3"/>
+          <p:cNvPr id="6" name="Slide Number Placeholder 5"/>
+          <p:cNvSpPr>
+            <a:spLocks noGrp="1"/>
+          </p:cNvSpPr>
+          <p:nvPr>
+            <p:ph type="sldNum" sz="quarter" idx="4"/>
           </p:nvPr>
         </p:nvSpPr>
         <p:spPr>
           <a:xfrm>
-            <a:off x="3124200" y="6356350"/>
-            <a:ext cx="2895600" cy="365125"/>
+            <a:off x="7314415" y="548797"/>
+            <a:ext cx="941203" cy="301752"/>
           </a:xfrm>
           <a:prstGeom prst="rect">
             <a:avLst/>
@@ -4002,108 +4000,158 @@
         <p:txBody>
           <a:bodyPr vert="horz" lIns="91440" tIns="45720" rIns="91440" bIns="45720" rtlCol="0" anchor="ctr"/>
           <a:lstStyle>
-            <a:lvl1pPr algn="ctr">
+            <a:lvl1pPr algn="r">
               <a:defRPr sz="1200">
                 <a:solidFill>
-                  <a:schemeClr val="tx1">
-                    <a:tint val="75000"/>
-                  </a:schemeClr>
+                  <a:schemeClr val="tx1"/>
                 </a:solidFill>
               </a:defRPr>
             </a:lvl1pPr>
           </a:lstStyle>
           <a:p>
+            <a:fld id="{A112122E-314F-6441-BB3F-70C15744DE39}" type="slidenum">
+              <a:rPr lang="en-US" smtClean="0"/>
+              <a:t>‹#›</a:t>
+            </a:fld>
             <a:endParaRPr lang="en-US"/>
           </a:p>
         </p:txBody>
       </p:sp>
       <p:sp>
         <p:nvSpPr>
-          <p:cNvPr id="6" name="Slide Number Placeholder 5"/>
-          <p:cNvSpPr>
-            <a:spLocks noGrp="1"/>
-          </p:cNvSpPr>
-          <p:nvPr>
-            <p:ph type="sldNum" sz="quarter" idx="4"/>
+          <p:cNvPr id="5" name="Footer Placeholder 4"/>
+          <p:cNvSpPr>
+            <a:spLocks noGrp="1"/>
+          </p:cNvSpPr>
+          <p:nvPr>
+            <p:ph type="ftr" sz="quarter" idx="3"/>
           </p:nvPr>
         </p:nvSpPr>
         <p:spPr>
           <a:xfrm>
-            <a:off x="6553200" y="6356350"/>
-            <a:ext cx="2133600" cy="365125"/>
+            <a:off x="6008688" y="855956"/>
+            <a:ext cx="2246489" cy="301227"/>
           </a:xfrm>
           <a:prstGeom prst="rect">
             <a:avLst/>
           </a:prstGeom>
         </p:spPr>
         <p:txBody>
-          <a:bodyPr vert="horz" lIns="91440" tIns="45720" rIns="91440" bIns="45720" rtlCol="0" anchor="ctr"/>
+          <a:bodyPr vert="horz" lIns="91440" tIns="0" rIns="91440" bIns="45720" rtlCol="0" anchor="t"/>
           <a:lstStyle>
-            <a:lvl1pPr algn="r">
-              <a:defRPr sz="1200">
+            <a:lvl1pPr algn="l">
+              <a:defRPr sz="1000">
                 <a:solidFill>
-                  <a:schemeClr val="tx1">
-                    <a:tint val="75000"/>
-                  </a:schemeClr>
+                  <a:schemeClr val="tx1"/>
                 </a:solidFill>
               </a:defRPr>
             </a:lvl1pPr>
           </a:lstStyle>
           <a:p>
-            <a:fld id="{A112122E-314F-6441-BB3F-70C15744DE39}" type="slidenum">
-              <a:rPr lang="en-US" smtClean="0"/>
-              <a:t>‹#›</a:t>
-            </a:fld>
             <a:endParaRPr lang="en-US"/>
           </a:p>
         </p:txBody>
       </p:sp>
     </p:spTree>
-    <p:extLst>
-      <p:ext uri="{BB962C8B-B14F-4D97-AF65-F5344CB8AC3E}">
-        <p14:creationId xmlns:p14="http://schemas.microsoft.com/office/powerpoint/2010/main" val="3924793517"/>
-      </p:ext>
-    </p:extLst>
   </p:cSld>
-  <p:clrMap bg1="lt1" tx1="dk1" bg2="lt2" tx2="dk2" accent1="accent1" accent2="accent2" accent3="accent3" accent4="accent4" accent5="accent5" accent6="accent6" hlink="hlink" folHlink="folHlink"/>
+  <p:clrMap bg1="dk1" tx1="lt1" bg2="dk2" tx2="lt2" accent1="accent1" accent2="accent2" accent3="accent3" accent4="accent4" accent5="accent5" accent6="accent6" hlink="hlink" folHlink="folHlink"/>
   <p:sldLayoutIdLst>
-    <p:sldLayoutId id="2147483649" r:id="rId1"/>
-    <p:sldLayoutId id="2147483650" r:id="rId2"/>
-    <p:sldLayoutId id="2147483651" r:id="rId3"/>
-    <p:sldLayoutId id="2147483652" r:id="rId4"/>
-    <p:sldLayoutId id="2147483653" r:id="rId5"/>
-    <p:sldLayoutId id="2147483654" r:id="rId6"/>
-    <p:sldLayoutId id="2147483655" r:id="rId7"/>
-    <p:sldLayoutId id="2147483656" r:id="rId8"/>
-    <p:sldLayoutId id="2147483657" r:id="rId9"/>
-    <p:sldLayoutId id="2147483658" r:id="rId10"/>
-    <p:sldLayoutId id="2147483659" r:id="rId11"/>
+    <p:sldLayoutId id="2147483999" r:id="rId1"/>
+    <p:sldLayoutId id="2147484000" r:id="rId2"/>
+    <p:sldLayoutId id="2147484001" r:id="rId3"/>
+    <p:sldLayoutId id="2147484002" r:id="rId4"/>
+    <p:sldLayoutId id="2147484003" r:id="rId5"/>
+    <p:sldLayoutId id="2147484004" r:id="rId6"/>
+    <p:sldLayoutId id="2147484005" r:id="rId7"/>
+    <p:sldLayoutId id="2147484006" r:id="rId8"/>
+    <p:sldLayoutId id="2147484007" r:id="rId9"/>
+    <p:sldLayoutId id="2147484008" r:id="rId10"/>
+    <p:sldLayoutId id="2147484009" r:id="rId11"/>
   </p:sldLayoutIdLst>
   <p:txStyles>
     <p:titleStyle>
-      <a:lvl1pPr algn="ctr" defTabSz="457200" rtl="0" eaLnBrk="1" latinLnBrk="0" hangingPunct="1">
+      <a:lvl1pPr algn="l" defTabSz="914400" rtl="0" eaLnBrk="1" latinLnBrk="0" hangingPunct="1">
         <a:spcBef>
           <a:spcPct val="0"/>
         </a:spcBef>
         <a:buNone/>
-        <a:defRPr sz="4400" kern="1200">
+        <a:defRPr sz="4000" kern="1200">
           <a:solidFill>
-            <a:schemeClr val="tx1"/>
+            <a:schemeClr val="tx2"/>
           </a:solidFill>
           <a:latin typeface="+mj-lt"/>
           <a:ea typeface="+mj-ea"/>
           <a:cs typeface="+mj-cs"/>
         </a:defRPr>
       </a:lvl1pPr>
+      <a:lvl2pPr eaLnBrk="1" hangingPunct="1">
+        <a:defRPr>
+          <a:solidFill>
+            <a:schemeClr val="tx2"/>
+          </a:solidFill>
+        </a:defRPr>
+      </a:lvl2pPr>
+      <a:lvl3pPr eaLnBrk="1" hangingPunct="1">
+        <a:defRPr>
+          <a:solidFill>
+            <a:schemeClr val="tx2"/>
+          </a:solidFill>
+        </a:defRPr>
+      </a:lvl3pPr>
+      <a:lvl4pPr eaLnBrk="1" hangingPunct="1">
+        <a:defRPr>
+          <a:solidFill>
+            <a:schemeClr val="tx2"/>
+          </a:solidFill>
+        </a:defRPr>
+      </a:lvl4pPr>
+      <a:lvl5pPr eaLnBrk="1" hangingPunct="1">
+        <a:defRPr>
+          <a:solidFill>
+            <a:schemeClr val="tx2"/>
+          </a:solidFill>
+        </a:defRPr>
+      </a:lvl5pPr>
+      <a:lvl6pPr eaLnBrk="1" hangingPunct="1">
+        <a:defRPr>
+          <a:solidFill>
+            <a:schemeClr val="tx2"/>
+          </a:solidFill>
+        </a:defRPr>
+      </a:lvl6pPr>
+      <a:lvl7pPr eaLnBrk="1" hangingPunct="1">
+        <a:defRPr>
+          <a:solidFill>
+            <a:schemeClr val="tx2"/>
+          </a:solidFill>
+        </a:defRPr>
+      </a:lvl7pPr>
+      <a:lvl8pPr eaLnBrk="1" hangingPunct="1">
+        <a:defRPr>
+          <a:solidFill>
+            <a:schemeClr val="tx2"/>
+          </a:solidFill>
+        </a:defRPr>
+      </a:lvl8pPr>
+      <a:lvl9pPr eaLnBrk="1" hangingPunct="1">
+        <a:defRPr>
+          <a:solidFill>
+            <a:schemeClr val="tx2"/>
+          </a:solidFill>
+        </a:defRPr>
+      </a:lvl9pPr>
     </p:titleStyle>
     <p:bodyStyle>
-      <a:lvl1pPr marL="342900" indent="-342900" algn="l" defTabSz="457200" rtl="0" eaLnBrk="1" latinLnBrk="0" hangingPunct="1">
+      <a:lvl1pPr marL="228600" indent="-182880" algn="l" defTabSz="914400" rtl="0" eaLnBrk="1" latinLnBrk="0" hangingPunct="1">
         <a:spcBef>
           <a:spcPct val="20000"/>
         </a:spcBef>
-        <a:buFont typeface="Arial"/>
-        <a:buChar char="•"/>
-        <a:defRPr sz="3200" kern="1200">
+        <a:buClr>
+          <a:schemeClr val="tx2"/>
+        </a:buClr>
+        <a:buFont typeface="Wingdings" charset="2"/>
+        <a:buChar char="§"/>
+        <a:defRPr sz="2000" kern="1200">
           <a:solidFill>
             <a:schemeClr val="tx1"/>
           </a:solidFill>
@@ -4112,13 +4160,16 @@
           <a:cs typeface="+mn-cs"/>
         </a:defRPr>
       </a:lvl1pPr>
-      <a:lvl2pPr marL="742950" indent="-285750" algn="l" defTabSz="457200" rtl="0" eaLnBrk="1" latinLnBrk="0" hangingPunct="1">
+      <a:lvl2pPr marL="502920" indent="-182880" algn="l" defTabSz="914400" rtl="0" eaLnBrk="1" latinLnBrk="0" hangingPunct="1">
         <a:spcBef>
           <a:spcPct val="20000"/>
         </a:spcBef>
-        <a:buFont typeface="Arial"/>
-        <a:buChar char="–"/>
-        <a:defRPr sz="2800" kern="1200">
+        <a:buClr>
+          <a:schemeClr val="tx2"/>
+        </a:buClr>
+        <a:buFont typeface="Wingdings" charset="2"/>
+        <a:buChar char="§"/>
+        <a:defRPr sz="1800" kern="1200">
           <a:solidFill>
             <a:schemeClr val="tx1"/>
           </a:solidFill>
@@ -4127,13 +4178,16 @@
           <a:cs typeface="+mn-cs"/>
         </a:defRPr>
       </a:lvl2pPr>
-      <a:lvl3pPr marL="1143000" indent="-228600" algn="l" defTabSz="457200" rtl="0" eaLnBrk="1" latinLnBrk="0" hangingPunct="1">
+      <a:lvl3pPr marL="685800" indent="-182880" algn="l" defTabSz="914400" rtl="0" eaLnBrk="1" latinLnBrk="0" hangingPunct="1">
         <a:spcBef>
           <a:spcPct val="20000"/>
         </a:spcBef>
-        <a:buFont typeface="Arial"/>
-        <a:buChar char="•"/>
-        <a:defRPr sz="2400" kern="1200">
+        <a:buClr>
+          <a:schemeClr val="tx2"/>
+        </a:buClr>
+        <a:buFont typeface="Wingdings" charset="2"/>
+        <a:buChar char="§"/>
+        <a:defRPr sz="1600" kern="1200">
           <a:solidFill>
             <a:schemeClr val="tx1"/>
           </a:solidFill>
@@ -4142,13 +4196,16 @@
           <a:cs typeface="+mn-cs"/>
         </a:defRPr>
       </a:lvl3pPr>
-      <a:lvl4pPr marL="1600200" indent="-228600" algn="l" defTabSz="457200" rtl="0" eaLnBrk="1" latinLnBrk="0" hangingPunct="1">
+      <a:lvl4pPr marL="914400" indent="-182880" algn="l" defTabSz="914400" rtl="0" eaLnBrk="1" latinLnBrk="0" hangingPunct="1">
         <a:spcBef>
           <a:spcPct val="20000"/>
         </a:spcBef>
-        <a:buFont typeface="Arial"/>
-        <a:buChar char="–"/>
-        <a:defRPr sz="2000" kern="1200">
+        <a:buClr>
+          <a:schemeClr val="tx2"/>
+        </a:buClr>
+        <a:buFont typeface="Wingdings" charset="2"/>
+        <a:buChar char="§"/>
+        <a:defRPr sz="1400" kern="1200">
           <a:solidFill>
             <a:schemeClr val="tx1"/>
           </a:solidFill>
@@ -4157,13 +4214,16 @@
           <a:cs typeface="+mn-cs"/>
         </a:defRPr>
       </a:lvl4pPr>
-      <a:lvl5pPr marL="2057400" indent="-228600" algn="l" defTabSz="457200" rtl="0" eaLnBrk="1" latinLnBrk="0" hangingPunct="1">
+      <a:lvl5pPr marL="1143000" indent="-182880" algn="l" defTabSz="914400" rtl="0" eaLnBrk="1" latinLnBrk="0" hangingPunct="1">
         <a:spcBef>
           <a:spcPct val="20000"/>
         </a:spcBef>
-        <a:buFont typeface="Arial"/>
-        <a:buChar char="»"/>
-        <a:defRPr sz="2000" kern="1200">
+        <a:buClr>
+          <a:schemeClr val="tx2"/>
+        </a:buClr>
+        <a:buFont typeface="Wingdings" charset="2"/>
+        <a:buChar char="§"/>
+        <a:defRPr sz="1400" kern="1200">
           <a:solidFill>
             <a:schemeClr val="tx1"/>
           </a:solidFill>
@@ -4172,13 +4232,16 @@
           <a:cs typeface="+mn-cs"/>
         </a:defRPr>
       </a:lvl5pPr>
-      <a:lvl6pPr marL="2514600" indent="-228600" algn="l" defTabSz="457200" rtl="0" eaLnBrk="1" latinLnBrk="0" hangingPunct="1">
+      <a:lvl6pPr marL="1371600" indent="-182880" algn="l" defTabSz="914400" rtl="0" eaLnBrk="1" latinLnBrk="0" hangingPunct="1">
         <a:spcBef>
           <a:spcPct val="20000"/>
         </a:spcBef>
-        <a:buFont typeface="Arial"/>
-        <a:buChar char="•"/>
-        <a:defRPr sz="2000" kern="1200">
+        <a:buClr>
+          <a:schemeClr val="tx2"/>
+        </a:buClr>
+        <a:buFont typeface="Wingdings" pitchFamily="2" charset="2"/>
+        <a:buChar char="§"/>
+        <a:defRPr sz="1400" kern="1200">
           <a:solidFill>
             <a:schemeClr val="tx1"/>
           </a:solidFill>
@@ -4187,13 +4250,16 @@
           <a:cs typeface="+mn-cs"/>
         </a:defRPr>
       </a:lvl6pPr>
-      <a:lvl7pPr marL="2971800" indent="-228600" algn="l" defTabSz="457200" rtl="0" eaLnBrk="1" latinLnBrk="0" hangingPunct="1">
+      <a:lvl7pPr marL="1600200" indent="-182880" algn="l" defTabSz="914400" rtl="0" eaLnBrk="1" latinLnBrk="0" hangingPunct="1">
         <a:spcBef>
           <a:spcPct val="20000"/>
         </a:spcBef>
-        <a:buFont typeface="Arial"/>
-        <a:buChar char="•"/>
-        <a:defRPr sz="2000" kern="1200">
+        <a:buClr>
+          <a:schemeClr val="tx2"/>
+        </a:buClr>
+        <a:buFont typeface="Wingdings" pitchFamily="2" charset="2"/>
+        <a:buChar char="§"/>
+        <a:defRPr sz="1400" kern="1200">
           <a:solidFill>
             <a:schemeClr val="tx1"/>
           </a:solidFill>
@@ -4202,13 +4268,16 @@
           <a:cs typeface="+mn-cs"/>
         </a:defRPr>
       </a:lvl7pPr>
-      <a:lvl8pPr marL="3429000" indent="-228600" algn="l" defTabSz="457200" rtl="0" eaLnBrk="1" latinLnBrk="0" hangingPunct="1">
+      <a:lvl8pPr marL="1828800" indent="-182880" algn="l" defTabSz="914400" rtl="0" eaLnBrk="1" latinLnBrk="0" hangingPunct="1">
         <a:spcBef>
           <a:spcPct val="20000"/>
         </a:spcBef>
-        <a:buFont typeface="Arial"/>
-        <a:buChar char="•"/>
-        <a:defRPr sz="2000" kern="1200">
+        <a:buClr>
+          <a:schemeClr val="tx2"/>
+        </a:buClr>
+        <a:buFont typeface="Wingdings" pitchFamily="2" charset="2"/>
+        <a:buChar char="§"/>
+        <a:defRPr sz="1400" kern="1200">
           <a:solidFill>
             <a:schemeClr val="tx1"/>
           </a:solidFill>
@@ -4217,13 +4286,16 @@
           <a:cs typeface="+mn-cs"/>
         </a:defRPr>
       </a:lvl8pPr>
-      <a:lvl9pPr marL="3886200" indent="-228600" algn="l" defTabSz="457200" rtl="0" eaLnBrk="1" latinLnBrk="0" hangingPunct="1">
+      <a:lvl9pPr marL="2057400" indent="-182880" algn="l" defTabSz="914400" rtl="0" eaLnBrk="1" latinLnBrk="0" hangingPunct="1">
         <a:spcBef>
           <a:spcPct val="20000"/>
         </a:spcBef>
-        <a:buFont typeface="Arial"/>
-        <a:buChar char="•"/>
-        <a:defRPr sz="2000" kern="1200">
+        <a:buClr>
+          <a:schemeClr val="tx2"/>
+        </a:buClr>
+        <a:buFont typeface="Wingdings" pitchFamily="2" charset="2"/>
+        <a:buChar char="§"/>
+        <a:defRPr sz="1400" kern="1200">
           <a:solidFill>
             <a:schemeClr val="tx1"/>
           </a:solidFill>
@@ -4237,7 +4309,7 @@
       <a:defPPr>
         <a:defRPr lang="en-US"/>
       </a:defPPr>
-      <a:lvl1pPr marL="0" algn="l" defTabSz="457200" rtl="0" eaLnBrk="1" latinLnBrk="0" hangingPunct="1">
+      <a:lvl1pPr marL="0" algn="l" defTabSz="914400" rtl="0" eaLnBrk="1" latinLnBrk="0" hangingPunct="1">
         <a:defRPr sz="1800" kern="1200">
           <a:solidFill>
             <a:schemeClr val="tx1"/>
@@ -4247,7 +4319,7 @@
           <a:cs typeface="+mn-cs"/>
         </a:defRPr>
       </a:lvl1pPr>
-      <a:lvl2pPr marL="457200" algn="l" defTabSz="457200" rtl="0" eaLnBrk="1" latinLnBrk="0" hangingPunct="1">
+      <a:lvl2pPr marL="457200" algn="l" defTabSz="914400" rtl="0" eaLnBrk="1" latinLnBrk="0" hangingPunct="1">
         <a:defRPr sz="1800" kern="1200">
           <a:solidFill>
             <a:schemeClr val="tx1"/>
@@ -4257,7 +4329,7 @@
           <a:cs typeface="+mn-cs"/>
         </a:defRPr>
       </a:lvl2pPr>
-      <a:lvl3pPr marL="914400" algn="l" defTabSz="457200" rtl="0" eaLnBrk="1" latinLnBrk="0" hangingPunct="1">
+      <a:lvl3pPr marL="914400" algn="l" defTabSz="914400" rtl="0" eaLnBrk="1" latinLnBrk="0" hangingPunct="1">
         <a:defRPr sz="1800" kern="1200">
           <a:solidFill>
             <a:schemeClr val="tx1"/>
@@ -4267,7 +4339,7 @@
           <a:cs typeface="+mn-cs"/>
         </a:defRPr>
       </a:lvl3pPr>
-      <a:lvl4pPr marL="1371600" algn="l" defTabSz="457200" rtl="0" eaLnBrk="1" latinLnBrk="0" hangingPunct="1">
+      <a:lvl4pPr marL="1371600" algn="l" defTabSz="914400" rtl="0" eaLnBrk="1" latinLnBrk="0" hangingPunct="1">
         <a:defRPr sz="1800" kern="1200">
           <a:solidFill>
             <a:schemeClr val="tx1"/>
@@ -4277,7 +4349,7 @@
           <a:cs typeface="+mn-cs"/>
         </a:defRPr>
       </a:lvl4pPr>
-      <a:lvl5pPr marL="1828800" algn="l" defTabSz="457200" rtl="0" eaLnBrk="1" latinLnBrk="0" hangingPunct="1">
+      <a:lvl5pPr marL="1828800" algn="l" defTabSz="914400" rtl="0" eaLnBrk="1" latinLnBrk="0" hangingPunct="1">
         <a:defRPr sz="1800" kern="1200">
           <a:solidFill>
             <a:schemeClr val="tx1"/>
@@ -4287,7 +4359,7 @@
           <a:cs typeface="+mn-cs"/>
         </a:defRPr>
       </a:lvl5pPr>
-      <a:lvl6pPr marL="2286000" algn="l" defTabSz="457200" rtl="0" eaLnBrk="1" latinLnBrk="0" hangingPunct="1">
+      <a:lvl6pPr marL="2286000" algn="l" defTabSz="914400" rtl="0" eaLnBrk="1" latinLnBrk="0" hangingPunct="1">
         <a:defRPr sz="1800" kern="1200">
           <a:solidFill>
             <a:schemeClr val="tx1"/>
@@ -4297,7 +4369,7 @@
           <a:cs typeface="+mn-cs"/>
         </a:defRPr>
       </a:lvl6pPr>
-      <a:lvl7pPr marL="2743200" algn="l" defTabSz="457200" rtl="0" eaLnBrk="1" latinLnBrk="0" hangingPunct="1">
+      <a:lvl7pPr marL="2743200" algn="l" defTabSz="914400" rtl="0" eaLnBrk="1" latinLnBrk="0" hangingPunct="1">
         <a:defRPr sz="1800" kern="1200">
           <a:solidFill>
             <a:schemeClr val="tx1"/>
@@ -4307,7 +4379,7 @@
           <a:cs typeface="+mn-cs"/>
         </a:defRPr>
       </a:lvl7pPr>
-      <a:lvl8pPr marL="3200400" algn="l" defTabSz="457200" rtl="0" eaLnBrk="1" latinLnBrk="0" hangingPunct="1">
+      <a:lvl8pPr marL="3200400" algn="l" defTabSz="914400" rtl="0" eaLnBrk="1" latinLnBrk="0" hangingPunct="1">
         <a:defRPr sz="1800" kern="1200">
           <a:solidFill>
             <a:schemeClr val="tx1"/>
@@ -4317,7 +4389,7 @@
           <a:cs typeface="+mn-cs"/>
         </a:defRPr>
       </a:lvl8pPr>
-      <a:lvl9pPr marL="3657600" algn="l" defTabSz="457200" rtl="0" eaLnBrk="1" latinLnBrk="0" hangingPunct="1">
+      <a:lvl9pPr marL="3657600" algn="l" defTabSz="914400" rtl="0" eaLnBrk="1" latinLnBrk="0" hangingPunct="1">
         <a:defRPr sz="1800" kern="1200">
           <a:solidFill>
             <a:schemeClr val="tx1"/>
@@ -4368,13 +4440,6 @@
           <a:p>
             <a:r>
               <a:rPr lang="en-US" dirty="0" smtClean="0"/>
-              <a:t>Bournemouth Blind Society </a:t>
-            </a:r>
-            <a:br>
-              <a:rPr lang="en-US" dirty="0" smtClean="0"/>
-            </a:br>
-            <a:r>
-              <a:rPr lang="en-US" dirty="0" smtClean="0"/>
               <a:t>4sight</a:t>
             </a:r>
             <a:endParaRPr lang="en-US" dirty="0"/>
@@ -4393,7 +4458,9 @@
         </p:nvSpPr>
         <p:spPr/>
         <p:txBody>
-          <a:bodyPr/>
+          <a:bodyPr>
+            <a:normAutofit/>
+          </a:bodyPr>
           <a:lstStyle/>
           <a:p>
             <a:r>
@@ -4410,6 +4477,29 @@
           </a:p>
         </p:txBody>
       </p:sp>
+      <p:pic>
+        <p:nvPicPr>
+          <p:cNvPr id="6" name="Picture 5"/>
+          <p:cNvPicPr>
+            <a:picLocks noChangeAspect="1"/>
+          </p:cNvPicPr>
+          <p:nvPr/>
+        </p:nvPicPr>
+        <p:blipFill rotWithShape="1">
+          <a:blip r:embed="rId2"/>
+          <a:srcRect l="31657" r="35052"/>
+          <a:stretch/>
+        </p:blipFill>
+        <p:spPr>
+          <a:xfrm>
+            <a:off x="3044109" y="748571"/>
+            <a:ext cx="3044110" cy="2281287"/>
+          </a:xfrm>
+          <a:prstGeom prst="rect">
+            <a:avLst/>
+          </a:prstGeom>
+        </p:spPr>
+      </p:pic>
     </p:spTree>
     <p:extLst>
       <p:ext uri="{BB962C8B-B14F-4D97-AF65-F5344CB8AC3E}">
@@ -4420,78 +4510,13 @@
   <p:clrMapOvr>
     <a:masterClrMapping/>
   </p:clrMapOvr>
-</p:sld>
-</file>
-
-<file path=ppt/slides/slide10.xml><?xml version="1.0" encoding="utf-8"?>
-<p:sld xmlns:a="http://schemas.openxmlformats.org/drawingml/2006/main" xmlns:r="http://schemas.openxmlformats.org/officeDocument/2006/relationships" xmlns:p="http://schemas.openxmlformats.org/presentationml/2006/main">
-  <p:cSld>
-    <p:spTree>
-      <p:nvGrpSpPr>
-        <p:cNvPr id="1" name=""/>
-        <p:cNvGrpSpPr/>
-        <p:nvPr/>
-      </p:nvGrpSpPr>
-      <p:grpSpPr>
-        <a:xfrm>
-          <a:off x="0" y="0"/>
-          <a:ext cx="0" cy="0"/>
-          <a:chOff x="0" y="0"/>
-          <a:chExt cx="0" cy="0"/>
-        </a:xfrm>
-      </p:grpSpPr>
-      <p:sp>
-        <p:nvSpPr>
-          <p:cNvPr id="2" name="Title 1"/>
-          <p:cNvSpPr>
-            <a:spLocks noGrp="1"/>
-          </p:cNvSpPr>
-          <p:nvPr>
-            <p:ph type="title"/>
-          </p:nvPr>
-        </p:nvSpPr>
-        <p:spPr/>
-        <p:txBody>
-          <a:bodyPr/>
-          <a:lstStyle/>
-          <a:p>
-            <a:r>
-              <a:rPr lang="en-US" dirty="0" smtClean="0"/>
-              <a:t>Questions</a:t>
-            </a:r>
-            <a:endParaRPr lang="en-US" dirty="0"/>
-          </a:p>
-        </p:txBody>
-      </p:sp>
-      <p:sp>
-        <p:nvSpPr>
-          <p:cNvPr id="3" name="Content Placeholder 2"/>
-          <p:cNvSpPr>
-            <a:spLocks noGrp="1"/>
-          </p:cNvSpPr>
-          <p:nvPr>
-            <p:ph idx="1"/>
-          </p:nvPr>
-        </p:nvSpPr>
-        <p:spPr/>
-        <p:txBody>
-          <a:bodyPr/>
-          <a:lstStyle/>
-          <a:p>
-            <a:endParaRPr lang="en-US" dirty="0"/>
-          </a:p>
-        </p:txBody>
-      </p:sp>
-    </p:spTree>
-    <p:extLst>
-      <p:ext uri="{BB962C8B-B14F-4D97-AF65-F5344CB8AC3E}">
-        <p14:creationId xmlns:p14="http://schemas.microsoft.com/office/powerpoint/2010/main" val="1455575641"/>
-      </p:ext>
-    </p:extLst>
-  </p:cSld>
-  <p:clrMapOvr>
-    <a:masterClrMapping/>
-  </p:clrMapOvr>
+  <p:timing>
+    <p:tnLst>
+      <p:par>
+        <p:cTn xmlns:p14="http://schemas.microsoft.com/office/powerpoint/2010/main" id="1" dur="indefinite" restart="never" nodeType="tmRoot"/>
+      </p:par>
+    </p:tnLst>
+  </p:timing>
 </p:sld>
 </file>
 
@@ -4658,46 +4683,57 @@
           <a:p>
             <a:r>
               <a:rPr lang="en-US" dirty="0" smtClean="0"/>
-              <a:t>Brain Storm</a:t>
+              <a:t>About the App</a:t>
             </a:r>
             <a:endParaRPr lang="en-US" dirty="0"/>
           </a:p>
         </p:txBody>
       </p:sp>
-      <p:pic>
-        <p:nvPicPr>
-          <p:cNvPr id="5" name="Picture 4" descr="New-Mind-Map(1).jpg"/>
-          <p:cNvPicPr>
-            <a:picLocks noChangeAspect="1"/>
-          </p:cNvPicPr>
-          <p:nvPr/>
-        </p:nvPicPr>
-        <p:blipFill>
-          <a:blip r:embed="rId3">
-            <a:extLst>
-              <a:ext uri="{28A0092B-C50C-407E-A947-70E740481C1C}">
-                <a14:useLocalDpi xmlns:a14="http://schemas.microsoft.com/office/drawing/2010/main" val="0"/>
-              </a:ext>
-            </a:extLst>
-          </a:blip>
-          <a:stretch>
-            <a:fillRect/>
-          </a:stretch>
-        </p:blipFill>
-        <p:spPr>
-          <a:xfrm>
-            <a:off x="214419" y="1258148"/>
-            <a:ext cx="8686800" cy="5599852"/>
-          </a:xfrm>
-          <a:prstGeom prst="rect">
-            <a:avLst/>
-          </a:prstGeom>
-        </p:spPr>
-      </p:pic>
+      <p:sp>
+        <p:nvSpPr>
+          <p:cNvPr id="3" name="Content Placeholder 2"/>
+          <p:cNvSpPr>
+            <a:spLocks noGrp="1"/>
+          </p:cNvSpPr>
+          <p:nvPr>
+            <p:ph idx="1"/>
+          </p:nvPr>
+        </p:nvSpPr>
+        <p:spPr/>
+        <p:txBody>
+          <a:bodyPr/>
+          <a:lstStyle/>
+          <a:p>
+            <a:r>
+              <a:rPr lang="en-US" dirty="0" smtClean="0"/>
+              <a:t>Setup</a:t>
+            </a:r>
+          </a:p>
+          <a:p>
+            <a:r>
+              <a:rPr lang="en-US" dirty="0" err="1" smtClean="0"/>
+              <a:t>Ariving</a:t>
+            </a:r>
+            <a:r>
+              <a:rPr lang="en-US" dirty="0" smtClean="0"/>
+              <a:t> at a new location</a:t>
+            </a:r>
+          </a:p>
+          <a:p>
+            <a:r>
+              <a:rPr lang="en-US" dirty="0" smtClean="0"/>
+              <a:t>Creation of the maps</a:t>
+            </a:r>
+          </a:p>
+          <a:p>
+            <a:endParaRPr lang="en-US" dirty="0" smtClean="0"/>
+          </a:p>
+        </p:txBody>
+      </p:sp>
     </p:spTree>
     <p:extLst>
       <p:ext uri="{BB962C8B-B14F-4D97-AF65-F5344CB8AC3E}">
-        <p14:creationId xmlns:p14="http://schemas.microsoft.com/office/powerpoint/2010/main" val="1679707925"/>
+        <p14:creationId xmlns:p14="http://schemas.microsoft.com/office/powerpoint/2010/main" val="4216536716"/>
       </p:ext>
     </p:extLst>
   </p:cSld>
@@ -4748,7 +4784,7 @@
           <a:p>
             <a:r>
               <a:rPr lang="en-US" dirty="0" smtClean="0"/>
-              <a:t>About the App</a:t>
+              <a:t>Consideration</a:t>
             </a:r>
             <a:endParaRPr lang="en-US" dirty="0"/>
           </a:p>
@@ -4769,14 +4805,40 @@
           <a:bodyPr/>
           <a:lstStyle/>
           <a:p>
-            <a:endParaRPr lang="en-US"/>
+            <a:r>
+              <a:rPr lang="en-US" dirty="0" smtClean="0"/>
+              <a:t>Cost of </a:t>
+            </a:r>
+            <a:r>
+              <a:rPr lang="en-US" dirty="0" err="1" smtClean="0"/>
+              <a:t>implementaion</a:t>
+            </a:r>
+            <a:r>
+              <a:rPr lang="en-US" dirty="0" smtClean="0"/>
+              <a:t> </a:t>
+            </a:r>
+          </a:p>
+          <a:p>
+            <a:r>
+              <a:rPr lang="en-US" dirty="0" smtClean="0"/>
+              <a:t>Research into best practices for visual representation.</a:t>
+            </a:r>
+          </a:p>
+          <a:p>
+            <a:endParaRPr lang="en-US" dirty="0" smtClean="0"/>
+          </a:p>
+          <a:p>
+            <a:endParaRPr lang="en-US" dirty="0"/>
+          </a:p>
+          <a:p>
+            <a:endParaRPr lang="en-US" dirty="0"/>
           </a:p>
         </p:txBody>
       </p:sp>
     </p:spTree>
     <p:extLst>
       <p:ext uri="{BB962C8B-B14F-4D97-AF65-F5344CB8AC3E}">
-        <p14:creationId xmlns:p14="http://schemas.microsoft.com/office/powerpoint/2010/main" val="4216536716"/>
+        <p14:creationId xmlns:p14="http://schemas.microsoft.com/office/powerpoint/2010/main" val="3592653668"/>
       </p:ext>
     </p:extLst>
   </p:cSld>
@@ -4827,7 +4889,7 @@
           <a:p>
             <a:r>
               <a:rPr lang="en-US" dirty="0" smtClean="0"/>
-              <a:t>Meeting the brief</a:t>
+              <a:t>Road Map</a:t>
             </a:r>
             <a:endParaRPr lang="en-US" dirty="0"/>
           </a:p>
@@ -4848,40 +4910,27 @@
           <a:bodyPr/>
           <a:lstStyle/>
           <a:p>
-            <a:r>
-              <a:rPr lang="en-US" dirty="0" smtClean="0"/>
-              <a:t>VI is a spectrum</a:t>
-            </a:r>
-          </a:p>
-          <a:p>
-            <a:r>
-              <a:rPr lang="en-US" dirty="0" smtClean="0"/>
-              <a:t>Things change and learning is </a:t>
-            </a:r>
-            <a:r>
-              <a:rPr lang="en-US" dirty="0" err="1" smtClean="0"/>
-              <a:t>repitition</a:t>
-            </a:r>
-            <a:r>
-              <a:rPr lang="en-US" dirty="0" smtClean="0"/>
-              <a:t>.</a:t>
-            </a:r>
-          </a:p>
-          <a:p>
-            <a:endParaRPr lang="en-US" dirty="0" smtClean="0"/>
+            <a:endParaRPr lang="en-US" dirty="0"/>
           </a:p>
         </p:txBody>
       </p:sp>
     </p:spTree>
     <p:extLst>
       <p:ext uri="{BB962C8B-B14F-4D97-AF65-F5344CB8AC3E}">
-        <p14:creationId xmlns:p14="http://schemas.microsoft.com/office/powerpoint/2010/main" val="326260830"/>
+        <p14:creationId xmlns:p14="http://schemas.microsoft.com/office/powerpoint/2010/main" val="1603968804"/>
       </p:ext>
     </p:extLst>
   </p:cSld>
   <p:clrMapOvr>
     <a:masterClrMapping/>
   </p:clrMapOvr>
+  <p:timing>
+    <p:tnLst>
+      <p:par>
+        <p:cTn xmlns:p14="http://schemas.microsoft.com/office/powerpoint/2010/main" id="1" dur="indefinite" restart="never" nodeType="tmRoot"/>
+      </p:par>
+    </p:tnLst>
+  </p:timing>
 </p:sld>
 </file>
 
@@ -4914,12 +4963,14 @@
         </p:nvSpPr>
         <p:spPr/>
         <p:txBody>
-          <a:bodyPr/>
+          <a:bodyPr>
+            <a:normAutofit/>
+          </a:bodyPr>
           <a:lstStyle/>
           <a:p>
             <a:r>
               <a:rPr lang="en-US" dirty="0" smtClean="0"/>
-              <a:t>Consideration</a:t>
+              <a:t>Further Implementation</a:t>
             </a:r>
             <a:endParaRPr lang="en-US" dirty="0"/>
           </a:p>
@@ -4942,22 +4993,25 @@
           <a:p>
             <a:r>
               <a:rPr lang="en-US" dirty="0" smtClean="0"/>
-              <a:t>Cost of </a:t>
+              <a:t>Sighted use</a:t>
+            </a:r>
+          </a:p>
+          <a:p>
+            <a:r>
+              <a:rPr lang="en-US" dirty="0" smtClean="0"/>
+              <a:t>Multiple uses for </a:t>
             </a:r>
             <a:r>
               <a:rPr lang="en-US" dirty="0" err="1" smtClean="0"/>
-              <a:t>implementaion</a:t>
-            </a:r>
+              <a:t>iBeacons</a:t>
+            </a:r>
+            <a:endParaRPr lang="en-US" dirty="0" smtClean="0"/>
+          </a:p>
+          <a:p>
             <a:r>
               <a:rPr lang="en-US" dirty="0" smtClean="0"/>
-              <a:t> </a:t>
-            </a:r>
-          </a:p>
-          <a:p>
-            <a:endParaRPr lang="en-US" dirty="0" smtClean="0"/>
-          </a:p>
-          <a:p>
-            <a:endParaRPr lang="en-US" dirty="0"/>
+              <a:t>Reusable data</a:t>
+            </a:r>
           </a:p>
           <a:p>
             <a:endParaRPr lang="en-US" dirty="0"/>
@@ -4967,13 +5021,20 @@
     </p:spTree>
     <p:extLst>
       <p:ext uri="{BB962C8B-B14F-4D97-AF65-F5344CB8AC3E}">
-        <p14:creationId xmlns:p14="http://schemas.microsoft.com/office/powerpoint/2010/main" val="3592653668"/>
+        <p14:creationId xmlns:p14="http://schemas.microsoft.com/office/powerpoint/2010/main" val="276739205"/>
       </p:ext>
     </p:extLst>
   </p:cSld>
   <p:clrMapOvr>
     <a:masterClrMapping/>
   </p:clrMapOvr>
+  <p:timing>
+    <p:tnLst>
+      <p:par>
+        <p:cTn xmlns:p14="http://schemas.microsoft.com/office/powerpoint/2010/main" id="1" dur="indefinite" restart="never" nodeType="tmRoot"/>
+      </p:par>
+    </p:tnLst>
+  </p:timing>
 </p:sld>
 </file>
 
@@ -5011,7 +5072,7 @@
           <a:p>
             <a:r>
               <a:rPr lang="en-US" dirty="0" smtClean="0"/>
-              <a:t>Further Development </a:t>
+              <a:t>Any Questions?</a:t>
             </a:r>
             <a:endParaRPr lang="en-US" dirty="0"/>
           </a:p>
@@ -5032,10 +5093,6 @@
           <a:bodyPr/>
           <a:lstStyle/>
           <a:p>
-            <a:r>
-              <a:rPr lang="en-US" dirty="0" smtClean="0"/>
-              <a:t>Research </a:t>
-            </a:r>
             <a:endParaRPr lang="en-US" dirty="0"/>
           </a:p>
         </p:txBody>
@@ -5043,187 +5100,27 @@
     </p:spTree>
     <p:extLst>
       <p:ext uri="{BB962C8B-B14F-4D97-AF65-F5344CB8AC3E}">
-        <p14:creationId xmlns:p14="http://schemas.microsoft.com/office/powerpoint/2010/main" val="4251081872"/>
+        <p14:creationId xmlns:p14="http://schemas.microsoft.com/office/powerpoint/2010/main" val="1455575641"/>
       </p:ext>
     </p:extLst>
   </p:cSld>
   <p:clrMapOvr>
     <a:masterClrMapping/>
   </p:clrMapOvr>
-</p:sld>
-</file>
-
-<file path=ppt/slides/slide8.xml><?xml version="1.0" encoding="utf-8"?>
-<p:sld xmlns:a="http://schemas.openxmlformats.org/drawingml/2006/main" xmlns:r="http://schemas.openxmlformats.org/officeDocument/2006/relationships" xmlns:p="http://schemas.openxmlformats.org/presentationml/2006/main">
-  <p:cSld>
-    <p:spTree>
-      <p:nvGrpSpPr>
-        <p:cNvPr id="1" name=""/>
-        <p:cNvGrpSpPr/>
-        <p:nvPr/>
-      </p:nvGrpSpPr>
-      <p:grpSpPr>
-        <a:xfrm>
-          <a:off x="0" y="0"/>
-          <a:ext cx="0" cy="0"/>
-          <a:chOff x="0" y="0"/>
-          <a:chExt cx="0" cy="0"/>
-        </a:xfrm>
-      </p:grpSpPr>
-      <p:sp>
-        <p:nvSpPr>
-          <p:cNvPr id="2" name="Title 1"/>
-          <p:cNvSpPr>
-            <a:spLocks noGrp="1"/>
-          </p:cNvSpPr>
-          <p:nvPr>
-            <p:ph type="title"/>
-          </p:nvPr>
-        </p:nvSpPr>
-        <p:spPr/>
-        <p:txBody>
-          <a:bodyPr/>
-          <a:lstStyle/>
-          <a:p>
-            <a:r>
-              <a:rPr lang="en-US" dirty="0" smtClean="0"/>
-              <a:t>Road Map</a:t>
-            </a:r>
-            <a:endParaRPr lang="en-US" dirty="0"/>
-          </a:p>
-        </p:txBody>
-      </p:sp>
-      <p:sp>
-        <p:nvSpPr>
-          <p:cNvPr id="3" name="Content Placeholder 2"/>
-          <p:cNvSpPr>
-            <a:spLocks noGrp="1"/>
-          </p:cNvSpPr>
-          <p:nvPr>
-            <p:ph idx="1"/>
-          </p:nvPr>
-        </p:nvSpPr>
-        <p:spPr/>
-        <p:txBody>
-          <a:bodyPr/>
-          <a:lstStyle/>
-          <a:p>
-            <a:endParaRPr lang="en-US"/>
-          </a:p>
-        </p:txBody>
-      </p:sp>
-    </p:spTree>
-    <p:extLst>
-      <p:ext uri="{BB962C8B-B14F-4D97-AF65-F5344CB8AC3E}">
-        <p14:creationId xmlns:p14="http://schemas.microsoft.com/office/powerpoint/2010/main" val="1603968804"/>
-      </p:ext>
-    </p:extLst>
-  </p:cSld>
-  <p:clrMapOvr>
-    <a:masterClrMapping/>
-  </p:clrMapOvr>
-</p:sld>
-</file>
-
-<file path=ppt/slides/slide9.xml><?xml version="1.0" encoding="utf-8"?>
-<p:sld xmlns:a="http://schemas.openxmlformats.org/drawingml/2006/main" xmlns:r="http://schemas.openxmlformats.org/officeDocument/2006/relationships" xmlns:p="http://schemas.openxmlformats.org/presentationml/2006/main">
-  <p:cSld>
-    <p:spTree>
-      <p:nvGrpSpPr>
-        <p:cNvPr id="1" name=""/>
-        <p:cNvGrpSpPr/>
-        <p:nvPr/>
-      </p:nvGrpSpPr>
-      <p:grpSpPr>
-        <a:xfrm>
-          <a:off x="0" y="0"/>
-          <a:ext cx="0" cy="0"/>
-          <a:chOff x="0" y="0"/>
-          <a:chExt cx="0" cy="0"/>
-        </a:xfrm>
-      </p:grpSpPr>
-      <p:sp>
-        <p:nvSpPr>
-          <p:cNvPr id="2" name="Title 1"/>
-          <p:cNvSpPr>
-            <a:spLocks noGrp="1"/>
-          </p:cNvSpPr>
-          <p:nvPr>
-            <p:ph type="title"/>
-          </p:nvPr>
-        </p:nvSpPr>
-        <p:spPr/>
-        <p:txBody>
-          <a:bodyPr/>
-          <a:lstStyle/>
-          <a:p>
-            <a:r>
-              <a:rPr lang="en-US" dirty="0" smtClean="0"/>
-              <a:t>Further Implementation</a:t>
-            </a:r>
-            <a:endParaRPr lang="en-US" dirty="0"/>
-          </a:p>
-        </p:txBody>
-      </p:sp>
-      <p:sp>
-        <p:nvSpPr>
-          <p:cNvPr id="3" name="Content Placeholder 2"/>
-          <p:cNvSpPr>
-            <a:spLocks noGrp="1"/>
-          </p:cNvSpPr>
-          <p:nvPr>
-            <p:ph idx="1"/>
-          </p:nvPr>
-        </p:nvSpPr>
-        <p:spPr/>
-        <p:txBody>
-          <a:bodyPr/>
-          <a:lstStyle/>
-          <a:p>
-            <a:r>
-              <a:rPr lang="en-US" dirty="0" smtClean="0"/>
-              <a:t>Sighted use</a:t>
-            </a:r>
-          </a:p>
-          <a:p>
-            <a:r>
-              <a:rPr lang="en-US" dirty="0" smtClean="0"/>
-              <a:t>Multiple uses for </a:t>
-            </a:r>
-            <a:r>
-              <a:rPr lang="en-US" dirty="0" err="1" smtClean="0"/>
-              <a:t>iBeacons</a:t>
-            </a:r>
-            <a:endParaRPr lang="en-US" dirty="0" smtClean="0"/>
-          </a:p>
-          <a:p>
-            <a:r>
-              <a:rPr lang="en-US" dirty="0" smtClean="0"/>
-              <a:t>Reusable data</a:t>
-            </a:r>
-          </a:p>
-          <a:p>
-            <a:endParaRPr lang="en-US" dirty="0"/>
-          </a:p>
-        </p:txBody>
-      </p:sp>
-    </p:spTree>
-    <p:extLst>
-      <p:ext uri="{BB962C8B-B14F-4D97-AF65-F5344CB8AC3E}">
-        <p14:creationId xmlns:p14="http://schemas.microsoft.com/office/powerpoint/2010/main" val="276739205"/>
-      </p:ext>
-    </p:extLst>
-  </p:cSld>
-  <p:clrMapOvr>
-    <a:masterClrMapping/>
-  </p:clrMapOvr>
+  <p:timing>
+    <p:tnLst>
+      <p:par>
+        <p:cTn xmlns:p14="http://schemas.microsoft.com/office/powerpoint/2010/main" id="1" dur="indefinite" restart="never" nodeType="tmRoot"/>
+      </p:par>
+    </p:tnLst>
+  </p:timing>
 </p:sld>
 </file>
 
 <file path=ppt/theme/theme1.xml><?xml version="1.0" encoding="utf-8"?>
-<a:theme xmlns:a="http://schemas.openxmlformats.org/drawingml/2006/main" name="Office Theme">
+<a:theme xmlns:a="http://schemas.openxmlformats.org/drawingml/2006/main" name="Perspective">
   <a:themeElements>
-    <a:clrScheme name="Office">
+    <a:clrScheme name="Perspective">
       <a:dk1>
         <a:sysClr val="windowText" lastClr="000000"/>
       </a:dk1>
@@ -5231,52 +5128,52 @@
         <a:sysClr val="window" lastClr="FFFFFF"/>
       </a:lt1>
       <a:dk2>
-        <a:srgbClr val="1F497D"/>
+        <a:srgbClr val="283138"/>
       </a:dk2>
       <a:lt2>
-        <a:srgbClr val="EEECE1"/>
+        <a:srgbClr val="FF8600"/>
       </a:lt2>
       <a:accent1>
-        <a:srgbClr val="4F81BD"/>
+        <a:srgbClr val="838D9B"/>
       </a:accent1>
       <a:accent2>
-        <a:srgbClr val="C0504D"/>
+        <a:srgbClr val="D2610C"/>
       </a:accent2>
       <a:accent3>
-        <a:srgbClr val="9BBB59"/>
+        <a:srgbClr val="80716A"/>
       </a:accent3>
       <a:accent4>
-        <a:srgbClr val="8064A2"/>
+        <a:srgbClr val="94147C"/>
       </a:accent4>
       <a:accent5>
-        <a:srgbClr val="4BACC6"/>
+        <a:srgbClr val="5D5AD2"/>
       </a:accent5>
       <a:accent6>
-        <a:srgbClr val="F79646"/>
+        <a:srgbClr val="6F6C7D"/>
       </a:accent6>
       <a:hlink>
-        <a:srgbClr val="0000FF"/>
+        <a:srgbClr val="6187E3"/>
       </a:hlink>
       <a:folHlink>
-        <a:srgbClr val="800080"/>
+        <a:srgbClr val="7B8EB8"/>
       </a:folHlink>
     </a:clrScheme>
-    <a:fontScheme name="Office">
+    <a:fontScheme name="Office Classic 2">
       <a:majorFont>
-        <a:latin typeface="Calibri"/>
+        <a:latin typeface="Arial"/>
         <a:ea typeface=""/>
         <a:cs typeface=""/>
         <a:font script="Jpan" typeface="ＭＳ Ｐゴシック"/>
-        <a:font script="Hang" typeface="맑은 고딕"/>
-        <a:font script="Hans" typeface="宋体"/>
-        <a:font script="Hant" typeface="新細明體"/>
-        <a:font script="Arab" typeface="Times New Roman"/>
-        <a:font script="Hebr" typeface="Times New Roman"/>
-        <a:font script="Thai" typeface="Angsana New"/>
+        <a:font script="Hang" typeface="돋움"/>
+        <a:font script="Hans" typeface="华文新魏"/>
+        <a:font script="Hant" typeface="微軟正黑體"/>
+        <a:font script="Arab" typeface="Arial"/>
+        <a:font script="Hebr" typeface="Arial"/>
+        <a:font script="Thai" typeface="Cordia New"/>
         <a:font script="Ethi" typeface="Nyala"/>
         <a:font script="Beng" typeface="Vrinda"/>
         <a:font script="Gujr" typeface="Shruti"/>
-        <a:font script="Khmr" typeface="MoolBoran"/>
+        <a:font script="Khmr" typeface="DaunPenh"/>
         <a:font script="Knda" typeface="Tunga"/>
         <a:font script="Guru" typeface="Raavi"/>
         <a:font script="Cans" typeface="Euphemia"/>
@@ -5293,18 +5190,18 @@
         <a:font script="Laoo" typeface="DokChampa"/>
         <a:font script="Sinh" typeface="Iskoola Pota"/>
         <a:font script="Mong" typeface="Mongolian Baiti"/>
-        <a:font script="Viet" typeface="Times New Roman"/>
+        <a:font script="Viet" typeface="Arial"/>
         <a:font script="Uigh" typeface="Microsoft Uighur"/>
         <a:font script="Geor" typeface="Sylfaen"/>
       </a:majorFont>
       <a:minorFont>
-        <a:latin typeface="Calibri"/>
+        <a:latin typeface="Arial"/>
         <a:ea typeface=""/>
         <a:cs typeface=""/>
         <a:font script="Jpan" typeface="ＭＳ Ｐゴシック"/>
-        <a:font script="Hang" typeface="맑은 고딕"/>
-        <a:font script="Hans" typeface="宋体"/>
-        <a:font script="Hant" typeface="新細明體"/>
+        <a:font script="Hang" typeface="돋움"/>
+        <a:font script="Hans" typeface="华文新魏"/>
+        <a:font script="Hant" typeface="微軟正黑體"/>
         <a:font script="Arab" typeface="Arial"/>
         <a:font script="Hebr" typeface="Arial"/>
         <a:font script="Thai" typeface="Cordia New"/>
@@ -5333,7 +5230,7 @@
         <a:font script="Geor" typeface="Sylfaen"/>
       </a:minorFont>
     </a:fontScheme>
-    <a:fmtScheme name="Office">
+    <a:fmtScheme name="Perspective">
       <a:fillStyleLst>
         <a:solidFill>
           <a:schemeClr val="phClr"/>
@@ -5343,61 +5240,65 @@
             <a:gs pos="0">
               <a:schemeClr val="phClr">
                 <a:tint val="50000"/>
-                <a:satMod val="300000"/>
+                <a:alpha val="100000"/>
+                <a:satMod val="160000"/>
+                <a:lumMod val="105000"/>
               </a:schemeClr>
             </a:gs>
-            <a:gs pos="35000">
+            <a:gs pos="41000">
               <a:schemeClr val="phClr">
-                <a:tint val="37000"/>
-                <a:satMod val="300000"/>
+                <a:tint val="57000"/>
+                <a:satMod val="180000"/>
+                <a:lumMod val="99000"/>
               </a:schemeClr>
             </a:gs>
             <a:gs pos="100000">
               <a:schemeClr val="phClr">
-                <a:tint val="15000"/>
-                <a:satMod val="350000"/>
+                <a:tint val="80000"/>
+                <a:satMod val="200000"/>
+                <a:lumMod val="104000"/>
               </a:schemeClr>
             </a:gs>
           </a:gsLst>
-          <a:lin ang="16200000" scaled="1"/>
+          <a:lin ang="5400000" scaled="1"/>
         </a:gradFill>
         <a:gradFill rotWithShape="1">
           <a:gsLst>
             <a:gs pos="0">
               <a:schemeClr val="phClr">
+                <a:tint val="96000"/>
+                <a:satMod val="130000"/>
+                <a:lumMod val="114000"/>
+              </a:schemeClr>
+            </a:gs>
+            <a:gs pos="60000">
+              <a:schemeClr val="phClr">
                 <a:tint val="100000"/>
-                <a:shade val="100000"/>
-                <a:satMod val="130000"/>
+                <a:satMod val="106000"/>
+                <a:lumMod val="110000"/>
               </a:schemeClr>
             </a:gs>
             <a:gs pos="100000">
-              <a:schemeClr val="phClr">
-                <a:tint val="50000"/>
-                <a:shade val="100000"/>
-                <a:satMod val="350000"/>
-              </a:schemeClr>
+              <a:schemeClr val="phClr"/>
             </a:gs>
           </a:gsLst>
-          <a:lin ang="16200000" scaled="0"/>
+          <a:lin ang="5400000" scaled="0"/>
         </a:gradFill>
       </a:fillStyleLst>
       <a:lnStyleLst>
-        <a:ln w="9525" cap="flat" cmpd="sng" algn="ctr">
-          <a:solidFill>
-            <a:schemeClr val="phClr">
-              <a:shade val="95000"/>
-              <a:satMod val="105000"/>
-            </a:schemeClr>
-          </a:solidFill>
-          <a:prstDash val="solid"/>
-        </a:ln>
-        <a:ln w="25400" cap="flat" cmpd="sng" algn="ctr">
+        <a:ln w="12700" cap="flat" cmpd="sng" algn="ctr">
           <a:solidFill>
             <a:schemeClr val="phClr"/>
           </a:solidFill>
           <a:prstDash val="solid"/>
         </a:ln>
-        <a:ln w="38100" cap="flat" cmpd="sng" algn="ctr">
+        <a:ln w="19050" cap="flat" cmpd="sng" algn="ctr">
+          <a:solidFill>
+            <a:schemeClr val="phClr"/>
+          </a:solidFill>
+          <a:prstDash val="solid"/>
+        </a:ln>
+        <a:ln w="28575" cap="flat" cmpd="sng" algn="ctr">
           <a:solidFill>
             <a:schemeClr val="phClr"/>
           </a:solidFill>
@@ -5407,27 +5308,18 @@
       <a:effectStyleLst>
         <a:effectStyle>
           <a:effectLst>
-            <a:outerShdw blurRad="40000" dist="20000" dir="5400000" rotWithShape="0">
+            <a:outerShdw blurRad="50800" dist="38100" dir="5400000" rotWithShape="0">
               <a:srgbClr val="000000">
-                <a:alpha val="38000"/>
+                <a:alpha val="28000"/>
               </a:srgbClr>
             </a:outerShdw>
           </a:effectLst>
         </a:effectStyle>
         <a:effectStyle>
           <a:effectLst>
-            <a:outerShdw blurRad="40000" dist="23000" dir="5400000" rotWithShape="0">
+            <a:outerShdw blurRad="47625" dist="38100" dir="5400000" sy="98000" rotWithShape="0">
               <a:srgbClr val="000000">
-                <a:alpha val="35000"/>
-              </a:srgbClr>
-            </a:outerShdw>
-          </a:effectLst>
-        </a:effectStyle>
-        <a:effectStyle>
-          <a:effectLst>
-            <a:outerShdw blurRad="40000" dist="23000" dir="5400000" rotWithShape="0">
-              <a:srgbClr val="000000">
-                <a:alpha val="35000"/>
+                <a:alpha val="48000"/>
               </a:srgbClr>
             </a:outerShdw>
           </a:effectLst>
@@ -5435,12 +5327,28 @@
             <a:camera prst="orthographicFront">
               <a:rot lat="0" lon="0" rev="0"/>
             </a:camera>
+            <a:lightRig rig="twoPt" dir="br">
+              <a:rot lat="0" lon="0" rev="8700000"/>
+            </a:lightRig>
+          </a:scene3d>
+          <a:sp3d prstMaterial="matte">
+            <a:bevelT w="25400" h="53975"/>
+          </a:sp3d>
+        </a:effectStyle>
+        <a:effectStyle>
+          <a:effectLst>
+            <a:reflection blurRad="12700" stA="24000" endPos="28000" dist="50800" dir="5400000" sy="-100000" rotWithShape="0"/>
+          </a:effectLst>
+          <a:scene3d>
+            <a:camera prst="orthographicFront">
+              <a:rot lat="0" lon="0" rev="0"/>
+            </a:camera>
             <a:lightRig rig="threePt" dir="t">
-              <a:rot lat="0" lon="0" rev="1200000"/>
+              <a:rot lat="0" lon="0" rev="4800000"/>
             </a:lightRig>
           </a:scene3d>
           <a:sp3d>
-            <a:bevelT w="63500" h="25400"/>
+            <a:bevelT w="69850" h="31750"/>
           </a:sp3d>
         </a:effectStyle>
       </a:effectStyleLst>
@@ -5452,90 +5360,49 @@
           <a:gsLst>
             <a:gs pos="0">
               <a:schemeClr val="phClr">
-                <a:tint val="40000"/>
-                <a:satMod val="350000"/>
+                <a:tint val="100000"/>
+                <a:shade val="80000"/>
+                <a:satMod val="100000"/>
+                <a:lumMod val="100000"/>
               </a:schemeClr>
             </a:gs>
-            <a:gs pos="40000">
+            <a:gs pos="65000">
               <a:schemeClr val="phClr">
-                <a:tint val="45000"/>
-                <a:shade val="99000"/>
-                <a:satMod val="350000"/>
+                <a:tint val="100000"/>
+                <a:shade val="95000"/>
+                <a:satMod val="100000"/>
+                <a:lumMod val="100000"/>
               </a:schemeClr>
             </a:gs>
             <a:gs pos="100000">
               <a:schemeClr val="phClr">
-                <a:shade val="20000"/>
-                <a:satMod val="255000"/>
+                <a:tint val="88000"/>
+                <a:shade val="100000"/>
+                <a:satMod val="400000"/>
+                <a:lumMod val="100000"/>
               </a:schemeClr>
             </a:gs>
           </a:gsLst>
-          <a:path path="circle">
-            <a:fillToRect l="50000" t="-80000" r="50000" b="180000"/>
-          </a:path>
+          <a:lin ang="5400000" scaled="0"/>
         </a:gradFill>
-        <a:gradFill rotWithShape="1">
-          <a:gsLst>
-            <a:gs pos="0">
+        <a:blipFill rotWithShape="1">
+          <a:blip xmlns:r="http://schemas.openxmlformats.org/officeDocument/2006/relationships" r:embed="rId1">
+            <a:duotone>
               <a:schemeClr val="phClr">
-                <a:tint val="80000"/>
-                <a:satMod val="300000"/>
+                <a:tint val="95000"/>
+                <a:satMod val="90000"/>
               </a:schemeClr>
-            </a:gs>
-            <a:gs pos="100000">
               <a:schemeClr val="phClr">
-                <a:shade val="30000"/>
-                <a:satMod val="200000"/>
+                <a:shade val="92000"/>
               </a:schemeClr>
-            </a:gs>
-          </a:gsLst>
-          <a:path path="circle">
-            <a:fillToRect l="50000" t="50000" r="50000" b="50000"/>
-          </a:path>
-        </a:gradFill>
+            </a:duotone>
+          </a:blip>
+          <a:tile tx="0" ty="0" sx="100000" sy="100000" flip="none" algn="tl"/>
+        </a:blipFill>
       </a:bgFillStyleLst>
     </a:fmtScheme>
   </a:themeElements>
-  <a:objectDefaults>
-    <a:spDef>
-      <a:spPr/>
-      <a:bodyPr/>
-      <a:lstStyle/>
-      <a:style>
-        <a:lnRef idx="1">
-          <a:schemeClr val="accent1"/>
-        </a:lnRef>
-        <a:fillRef idx="3">
-          <a:schemeClr val="accent1"/>
-        </a:fillRef>
-        <a:effectRef idx="2">
-          <a:schemeClr val="accent1"/>
-        </a:effectRef>
-        <a:fontRef idx="minor">
-          <a:schemeClr val="lt1"/>
-        </a:fontRef>
-      </a:style>
-    </a:spDef>
-    <a:lnDef>
-      <a:spPr/>
-      <a:bodyPr/>
-      <a:lstStyle/>
-      <a:style>
-        <a:lnRef idx="2">
-          <a:schemeClr val="accent1"/>
-        </a:lnRef>
-        <a:fillRef idx="0">
-          <a:schemeClr val="accent1"/>
-        </a:fillRef>
-        <a:effectRef idx="1">
-          <a:schemeClr val="accent1"/>
-        </a:effectRef>
-        <a:fontRef idx="minor">
-          <a:schemeClr val="tx1"/>
-        </a:fontRef>
-      </a:style>
-    </a:lnDef>
-  </a:objectDefaults>
+  <a:objectDefaults/>
   <a:extraClrSchemeLst/>
 </a:theme>
 </file>
